--- a/src/main/resources/UML.pptx
+++ b/src/main/resources/UML.pptx
@@ -3589,7 +3589,7 @@
         </p:nvSpPr>
         <p:spPr>
           <a:xfrm>
-            <a:off x="295828" y="2276867"/>
+            <a:off x="304126" y="4190938"/>
             <a:ext cx="2080470" cy="343950"/>
           </a:xfrm>
           <a:prstGeom prst="rect">
@@ -3638,7 +3638,7 @@
         </p:nvSpPr>
         <p:spPr>
           <a:xfrm>
-            <a:off x="295828" y="2658567"/>
+            <a:off x="295828" y="4600331"/>
             <a:ext cx="2080470" cy="1749106"/>
           </a:xfrm>
           <a:prstGeom prst="rect">
@@ -5045,6 +5045,1325 @@
               <a:rPr lang="en-US" dirty="0"/>
               <a:t>Create customer account</a:t>
             </a:r>
+          </a:p>
+        </p:txBody>
+      </p:sp>
+      <p:sp>
+        <p:nvSpPr>
+          <p:cNvPr id="49" name="Rectangle 48">
+            <a:extLst>
+              <a:ext uri="{FF2B5EF4-FFF2-40B4-BE49-F238E27FC236}">
+                <a16:creationId xmlns:a16="http://schemas.microsoft.com/office/drawing/2014/main" id="{F8611230-E082-4592-882B-DB1E4404382D}"/>
+              </a:ext>
+            </a:extLst>
+          </p:cNvPr>
+          <p:cNvSpPr/>
+          <p:nvPr/>
+        </p:nvSpPr>
+        <p:spPr>
+          <a:xfrm>
+            <a:off x="274040" y="2281334"/>
+            <a:ext cx="2080470" cy="343949"/>
+          </a:xfrm>
+          <a:prstGeom prst="rect">
+            <a:avLst/>
+          </a:prstGeom>
+          <a:solidFill>
+            <a:schemeClr val="tx2"/>
+          </a:solidFill>
+        </p:spPr>
+        <p:style>
+          <a:lnRef idx="2">
+            <a:schemeClr val="accent1">
+              <a:shade val="50000"/>
+            </a:schemeClr>
+          </a:lnRef>
+          <a:fillRef idx="1">
+            <a:schemeClr val="accent1"/>
+          </a:fillRef>
+          <a:effectRef idx="0">
+            <a:schemeClr val="accent1"/>
+          </a:effectRef>
+          <a:fontRef idx="minor">
+            <a:schemeClr val="lt1"/>
+          </a:fontRef>
+        </p:style>
+        <p:txBody>
+          <a:bodyPr rtlCol="0" anchor="ctr"/>
+          <a:lstStyle/>
+          <a:p>
+            <a:pPr algn="ctr"/>
+            <a:r>
+              <a:rPr lang="en-US" b="1" dirty="0"/>
+              <a:t>Address</a:t>
+            </a:r>
+            <a:endParaRPr lang="en-US" dirty="0"/>
+          </a:p>
+        </p:txBody>
+      </p:sp>
+      <p:sp>
+        <p:nvSpPr>
+          <p:cNvPr id="50" name="Rectangle 49">
+            <a:extLst>
+              <a:ext uri="{FF2B5EF4-FFF2-40B4-BE49-F238E27FC236}">
+                <a16:creationId xmlns:a16="http://schemas.microsoft.com/office/drawing/2014/main" id="{1F0D7775-91D0-416E-8221-7700E8882982}"/>
+              </a:ext>
+            </a:extLst>
+          </p:cNvPr>
+          <p:cNvSpPr/>
+          <p:nvPr/>
+        </p:nvSpPr>
+        <p:spPr>
+          <a:xfrm>
+            <a:off x="274039" y="2625284"/>
+            <a:ext cx="2080470" cy="323291"/>
+          </a:xfrm>
+          <a:prstGeom prst="rect">
+            <a:avLst/>
+          </a:prstGeom>
+          <a:solidFill>
+            <a:srgbClr val="92D050"/>
+          </a:solidFill>
+        </p:spPr>
+        <p:style>
+          <a:lnRef idx="2">
+            <a:schemeClr val="accent1">
+              <a:shade val="50000"/>
+            </a:schemeClr>
+          </a:lnRef>
+          <a:fillRef idx="1">
+            <a:schemeClr val="accent1"/>
+          </a:fillRef>
+          <a:effectRef idx="0">
+            <a:schemeClr val="accent1"/>
+          </a:effectRef>
+          <a:fontRef idx="minor">
+            <a:schemeClr val="lt1"/>
+          </a:fontRef>
+        </p:style>
+        <p:txBody>
+          <a:bodyPr rtlCol="0" anchor="ctr"/>
+          <a:lstStyle/>
+          <a:p>
+            <a:r>
+              <a:rPr lang="en-US" sz="1400" dirty="0"/>
+              <a:t>Address</a:t>
+            </a:r>
+          </a:p>
+        </p:txBody>
+      </p:sp>
+      <p:sp>
+        <p:nvSpPr>
+          <p:cNvPr id="8" name="Ellipse 7">
+            <a:extLst>
+              <a:ext uri="{FF2B5EF4-FFF2-40B4-BE49-F238E27FC236}">
+                <a16:creationId xmlns:a16="http://schemas.microsoft.com/office/drawing/2014/main" id="{4E4B763F-55D3-41E7-B339-32FD7535F420}"/>
+              </a:ext>
+            </a:extLst>
+          </p:cNvPr>
+          <p:cNvSpPr/>
+          <p:nvPr/>
+        </p:nvSpPr>
+        <p:spPr>
+          <a:xfrm>
+            <a:off x="2099949" y="6065484"/>
+            <a:ext cx="276349" cy="276349"/>
+          </a:xfrm>
+          <a:prstGeom prst="ellipse">
+            <a:avLst/>
+          </a:prstGeom>
+          <a:solidFill>
+            <a:srgbClr val="FFFF00"/>
+          </a:solidFill>
+          <a:ln>
+            <a:noFill/>
+          </a:ln>
+        </p:spPr>
+        <p:style>
+          <a:lnRef idx="2">
+            <a:schemeClr val="accent1">
+              <a:shade val="50000"/>
+            </a:schemeClr>
+          </a:lnRef>
+          <a:fillRef idx="1">
+            <a:schemeClr val="accent1"/>
+          </a:fillRef>
+          <a:effectRef idx="0">
+            <a:schemeClr val="accent1"/>
+          </a:effectRef>
+          <a:fontRef idx="minor">
+            <a:schemeClr val="lt1"/>
+          </a:fontRef>
+        </p:style>
+        <p:txBody>
+          <a:bodyPr rtlCol="0" anchor="ctr"/>
+          <a:lstStyle/>
+          <a:p>
+            <a:pPr algn="ctr"/>
+            <a:endParaRPr lang="fr-BE" dirty="0"/>
+          </a:p>
+        </p:txBody>
+      </p:sp>
+      <p:sp>
+        <p:nvSpPr>
+          <p:cNvPr id="58" name="Ellipse 57">
+            <a:extLst>
+              <a:ext uri="{FF2B5EF4-FFF2-40B4-BE49-F238E27FC236}">
+                <a16:creationId xmlns:a16="http://schemas.microsoft.com/office/drawing/2014/main" id="{E2C0B42C-EC05-4076-AB0E-7EDB76EED8A7}"/>
+              </a:ext>
+            </a:extLst>
+          </p:cNvPr>
+          <p:cNvSpPr/>
+          <p:nvPr/>
+        </p:nvSpPr>
+        <p:spPr>
+          <a:xfrm>
+            <a:off x="4474158" y="5218373"/>
+            <a:ext cx="276349" cy="276349"/>
+          </a:xfrm>
+          <a:prstGeom prst="ellipse">
+            <a:avLst/>
+          </a:prstGeom>
+          <a:solidFill>
+            <a:srgbClr val="FFFF00"/>
+          </a:solidFill>
+          <a:ln>
+            <a:noFill/>
+          </a:ln>
+        </p:spPr>
+        <p:style>
+          <a:lnRef idx="2">
+            <a:schemeClr val="accent1">
+              <a:shade val="50000"/>
+            </a:schemeClr>
+          </a:lnRef>
+          <a:fillRef idx="1">
+            <a:schemeClr val="accent1"/>
+          </a:fillRef>
+          <a:effectRef idx="0">
+            <a:schemeClr val="accent1"/>
+          </a:effectRef>
+          <a:fontRef idx="minor">
+            <a:schemeClr val="lt1"/>
+          </a:fontRef>
+        </p:style>
+        <p:txBody>
+          <a:bodyPr rtlCol="0" anchor="ctr"/>
+          <a:lstStyle/>
+          <a:p>
+            <a:pPr algn="ctr"/>
+            <a:endParaRPr lang="fr-BE" dirty="0"/>
+          </a:p>
+        </p:txBody>
+      </p:sp>
+      <p:sp>
+        <p:nvSpPr>
+          <p:cNvPr id="59" name="Ellipse 58">
+            <a:extLst>
+              <a:ext uri="{FF2B5EF4-FFF2-40B4-BE49-F238E27FC236}">
+                <a16:creationId xmlns:a16="http://schemas.microsoft.com/office/drawing/2014/main" id="{CE0DE86E-F2C1-48F1-8D32-8CE5815FA486}"/>
+              </a:ext>
+            </a:extLst>
+          </p:cNvPr>
+          <p:cNvSpPr/>
+          <p:nvPr/>
+        </p:nvSpPr>
+        <p:spPr>
+          <a:xfrm>
+            <a:off x="6834283" y="5128315"/>
+            <a:ext cx="276349" cy="276349"/>
+          </a:xfrm>
+          <a:prstGeom prst="ellipse">
+            <a:avLst/>
+          </a:prstGeom>
+          <a:solidFill>
+            <a:srgbClr val="FFFF00"/>
+          </a:solidFill>
+          <a:ln>
+            <a:noFill/>
+          </a:ln>
+        </p:spPr>
+        <p:style>
+          <a:lnRef idx="2">
+            <a:schemeClr val="accent1">
+              <a:shade val="50000"/>
+            </a:schemeClr>
+          </a:lnRef>
+          <a:fillRef idx="1">
+            <a:schemeClr val="accent1"/>
+          </a:fillRef>
+          <a:effectRef idx="0">
+            <a:schemeClr val="accent1"/>
+          </a:effectRef>
+          <a:fontRef idx="minor">
+            <a:schemeClr val="lt1"/>
+          </a:fontRef>
+        </p:style>
+        <p:txBody>
+          <a:bodyPr rtlCol="0" anchor="ctr"/>
+          <a:lstStyle/>
+          <a:p>
+            <a:pPr algn="ctr"/>
+            <a:endParaRPr lang="fr-BE" dirty="0"/>
+          </a:p>
+        </p:txBody>
+      </p:sp>
+      <p:sp>
+        <p:nvSpPr>
+          <p:cNvPr id="60" name="Ellipse 59">
+            <a:extLst>
+              <a:ext uri="{FF2B5EF4-FFF2-40B4-BE49-F238E27FC236}">
+                <a16:creationId xmlns:a16="http://schemas.microsoft.com/office/drawing/2014/main" id="{CCA57AC6-B1AC-4BF3-83E9-B6B78C3E2AC0}"/>
+              </a:ext>
+            </a:extLst>
+          </p:cNvPr>
+          <p:cNvSpPr/>
+          <p:nvPr/>
+        </p:nvSpPr>
+        <p:spPr>
+          <a:xfrm>
+            <a:off x="9227519" y="5740937"/>
+            <a:ext cx="276349" cy="276349"/>
+          </a:xfrm>
+          <a:prstGeom prst="ellipse">
+            <a:avLst/>
+          </a:prstGeom>
+          <a:solidFill>
+            <a:srgbClr val="FFFF00"/>
+          </a:solidFill>
+          <a:ln>
+            <a:noFill/>
+          </a:ln>
+        </p:spPr>
+        <p:style>
+          <a:lnRef idx="2">
+            <a:schemeClr val="accent1">
+              <a:shade val="50000"/>
+            </a:schemeClr>
+          </a:lnRef>
+          <a:fillRef idx="1">
+            <a:schemeClr val="accent1"/>
+          </a:fillRef>
+          <a:effectRef idx="0">
+            <a:schemeClr val="accent1"/>
+          </a:effectRef>
+          <a:fontRef idx="minor">
+            <a:schemeClr val="lt1"/>
+          </a:fontRef>
+        </p:style>
+        <p:txBody>
+          <a:bodyPr rtlCol="0" anchor="ctr"/>
+          <a:lstStyle/>
+          <a:p>
+            <a:pPr algn="ctr"/>
+            <a:endParaRPr lang="fr-BE" dirty="0"/>
+          </a:p>
+        </p:txBody>
+      </p:sp>
+      <p:sp>
+        <p:nvSpPr>
+          <p:cNvPr id="61" name="Ellipse 60">
+            <a:extLst>
+              <a:ext uri="{FF2B5EF4-FFF2-40B4-BE49-F238E27FC236}">
+                <a16:creationId xmlns:a16="http://schemas.microsoft.com/office/drawing/2014/main" id="{06287A81-FA07-4ED9-96D5-65FB6FAC891A}"/>
+              </a:ext>
+            </a:extLst>
+          </p:cNvPr>
+          <p:cNvSpPr/>
+          <p:nvPr/>
+        </p:nvSpPr>
+        <p:spPr>
+          <a:xfrm>
+            <a:off x="2857874" y="5727605"/>
+            <a:ext cx="276349" cy="276349"/>
+          </a:xfrm>
+          <a:prstGeom prst="ellipse">
+            <a:avLst/>
+          </a:prstGeom>
+          <a:solidFill>
+            <a:srgbClr val="FFFF00"/>
+          </a:solidFill>
+          <a:ln>
+            <a:noFill/>
+          </a:ln>
+        </p:spPr>
+        <p:style>
+          <a:lnRef idx="2">
+            <a:schemeClr val="accent1">
+              <a:shade val="50000"/>
+            </a:schemeClr>
+          </a:lnRef>
+          <a:fillRef idx="1">
+            <a:schemeClr val="accent1"/>
+          </a:fillRef>
+          <a:effectRef idx="0">
+            <a:schemeClr val="accent1"/>
+          </a:effectRef>
+          <a:fontRef idx="minor">
+            <a:schemeClr val="lt1"/>
+          </a:fontRef>
+        </p:style>
+        <p:txBody>
+          <a:bodyPr rtlCol="0" anchor="ctr"/>
+          <a:lstStyle/>
+          <a:p>
+            <a:pPr algn="ctr"/>
+            <a:endParaRPr lang="fr-BE" dirty="0"/>
+          </a:p>
+        </p:txBody>
+      </p:sp>
+      <p:sp>
+        <p:nvSpPr>
+          <p:cNvPr id="14" name="ZoneTexte 13">
+            <a:extLst>
+              <a:ext uri="{FF2B5EF4-FFF2-40B4-BE49-F238E27FC236}">
+                <a16:creationId xmlns:a16="http://schemas.microsoft.com/office/drawing/2014/main" id="{81F22EF7-6E96-4E5C-A3E0-9DE3EBBB79AC}"/>
+              </a:ext>
+            </a:extLst>
+          </p:cNvPr>
+          <p:cNvSpPr txBox="1"/>
+          <p:nvPr/>
+        </p:nvSpPr>
+        <p:spPr>
+          <a:xfrm>
+            <a:off x="3112784" y="5681113"/>
+            <a:ext cx="2474845" cy="369332"/>
+          </a:xfrm>
+          <a:prstGeom prst="rect">
+            <a:avLst/>
+          </a:prstGeom>
+          <a:noFill/>
+        </p:spPr>
+        <p:txBody>
+          <a:bodyPr wrap="none" rtlCol="0">
+            <a:spAutoFit/>
+          </a:bodyPr>
+          <a:lstStyle/>
+          <a:p>
+            <a:r>
+              <a:rPr lang="fr-BE" dirty="0"/>
+              <a:t>Service / Controller (api)</a:t>
+            </a:r>
+          </a:p>
+        </p:txBody>
+      </p:sp>
+      <p:sp>
+        <p:nvSpPr>
+          <p:cNvPr id="62" name="Ellipse 61">
+            <a:extLst>
+              <a:ext uri="{FF2B5EF4-FFF2-40B4-BE49-F238E27FC236}">
+                <a16:creationId xmlns:a16="http://schemas.microsoft.com/office/drawing/2014/main" id="{F26775BC-02A2-44EB-B3CE-4320C066FFD8}"/>
+              </a:ext>
+            </a:extLst>
+          </p:cNvPr>
+          <p:cNvSpPr/>
+          <p:nvPr/>
+        </p:nvSpPr>
+        <p:spPr>
+          <a:xfrm>
+            <a:off x="2857874" y="6073088"/>
+            <a:ext cx="276349" cy="276349"/>
+          </a:xfrm>
+          <a:prstGeom prst="ellipse">
+            <a:avLst/>
+          </a:prstGeom>
+          <a:solidFill>
+            <a:srgbClr val="00B0F0"/>
+          </a:solidFill>
+          <a:ln>
+            <a:noFill/>
+          </a:ln>
+        </p:spPr>
+        <p:style>
+          <a:lnRef idx="2">
+            <a:schemeClr val="accent1">
+              <a:shade val="50000"/>
+            </a:schemeClr>
+          </a:lnRef>
+          <a:fillRef idx="1">
+            <a:schemeClr val="accent1"/>
+          </a:fillRef>
+          <a:effectRef idx="0">
+            <a:schemeClr val="accent1"/>
+          </a:effectRef>
+          <a:fontRef idx="minor">
+            <a:schemeClr val="lt1"/>
+          </a:fontRef>
+        </p:style>
+        <p:txBody>
+          <a:bodyPr rtlCol="0" anchor="ctr"/>
+          <a:lstStyle/>
+          <a:p>
+            <a:pPr algn="ctr"/>
+            <a:endParaRPr lang="fr-BE" dirty="0"/>
+          </a:p>
+        </p:txBody>
+      </p:sp>
+      <p:sp>
+        <p:nvSpPr>
+          <p:cNvPr id="63" name="Ellipse 62">
+            <a:extLst>
+              <a:ext uri="{FF2B5EF4-FFF2-40B4-BE49-F238E27FC236}">
+                <a16:creationId xmlns:a16="http://schemas.microsoft.com/office/drawing/2014/main" id="{1F232061-863B-4ADC-A70F-35EE5625A07C}"/>
+              </a:ext>
+            </a:extLst>
+          </p:cNvPr>
+          <p:cNvSpPr/>
+          <p:nvPr/>
+        </p:nvSpPr>
+        <p:spPr>
+          <a:xfrm>
+            <a:off x="2061376" y="1676309"/>
+            <a:ext cx="276349" cy="276349"/>
+          </a:xfrm>
+          <a:prstGeom prst="ellipse">
+            <a:avLst/>
+          </a:prstGeom>
+          <a:solidFill>
+            <a:srgbClr val="00B0F0"/>
+          </a:solidFill>
+          <a:ln>
+            <a:noFill/>
+          </a:ln>
+        </p:spPr>
+        <p:style>
+          <a:lnRef idx="2">
+            <a:schemeClr val="accent1">
+              <a:shade val="50000"/>
+            </a:schemeClr>
+          </a:lnRef>
+          <a:fillRef idx="1">
+            <a:schemeClr val="accent1"/>
+          </a:fillRef>
+          <a:effectRef idx="0">
+            <a:schemeClr val="accent1"/>
+          </a:effectRef>
+          <a:fontRef idx="minor">
+            <a:schemeClr val="lt1"/>
+          </a:fontRef>
+        </p:style>
+        <p:txBody>
+          <a:bodyPr rtlCol="0" anchor="ctr"/>
+          <a:lstStyle/>
+          <a:p>
+            <a:pPr algn="ctr"/>
+            <a:endParaRPr lang="fr-BE" dirty="0"/>
+          </a:p>
+        </p:txBody>
+      </p:sp>
+      <p:sp>
+        <p:nvSpPr>
+          <p:cNvPr id="64" name="Ellipse 63">
+            <a:extLst>
+              <a:ext uri="{FF2B5EF4-FFF2-40B4-BE49-F238E27FC236}">
+                <a16:creationId xmlns:a16="http://schemas.microsoft.com/office/drawing/2014/main" id="{53405E06-9892-473A-9C4E-5E71CD7B7D47}"/>
+              </a:ext>
+            </a:extLst>
+          </p:cNvPr>
+          <p:cNvSpPr/>
+          <p:nvPr/>
+        </p:nvSpPr>
+        <p:spPr>
+          <a:xfrm>
+            <a:off x="4456578" y="1686531"/>
+            <a:ext cx="276349" cy="276349"/>
+          </a:xfrm>
+          <a:prstGeom prst="ellipse">
+            <a:avLst/>
+          </a:prstGeom>
+          <a:solidFill>
+            <a:srgbClr val="00B0F0"/>
+          </a:solidFill>
+          <a:ln>
+            <a:noFill/>
+          </a:ln>
+        </p:spPr>
+        <p:style>
+          <a:lnRef idx="2">
+            <a:schemeClr val="accent1">
+              <a:shade val="50000"/>
+            </a:schemeClr>
+          </a:lnRef>
+          <a:fillRef idx="1">
+            <a:schemeClr val="accent1"/>
+          </a:fillRef>
+          <a:effectRef idx="0">
+            <a:schemeClr val="accent1"/>
+          </a:effectRef>
+          <a:fontRef idx="minor">
+            <a:schemeClr val="lt1"/>
+          </a:fontRef>
+        </p:style>
+        <p:txBody>
+          <a:bodyPr rtlCol="0" anchor="ctr"/>
+          <a:lstStyle/>
+          <a:p>
+            <a:pPr algn="ctr"/>
+            <a:endParaRPr lang="fr-BE" dirty="0"/>
+          </a:p>
+        </p:txBody>
+      </p:sp>
+      <p:sp>
+        <p:nvSpPr>
+          <p:cNvPr id="65" name="Ellipse 64">
+            <a:extLst>
+              <a:ext uri="{FF2B5EF4-FFF2-40B4-BE49-F238E27FC236}">
+                <a16:creationId xmlns:a16="http://schemas.microsoft.com/office/drawing/2014/main" id="{1CC8F6AC-9592-4C15-B74A-D4DF9274CE2E}"/>
+              </a:ext>
+            </a:extLst>
+          </p:cNvPr>
+          <p:cNvSpPr/>
+          <p:nvPr/>
+        </p:nvSpPr>
+        <p:spPr>
+          <a:xfrm>
+            <a:off x="6817931" y="1705295"/>
+            <a:ext cx="276349" cy="276349"/>
+          </a:xfrm>
+          <a:prstGeom prst="ellipse">
+            <a:avLst/>
+          </a:prstGeom>
+          <a:solidFill>
+            <a:srgbClr val="00B0F0"/>
+          </a:solidFill>
+          <a:ln>
+            <a:noFill/>
+          </a:ln>
+        </p:spPr>
+        <p:style>
+          <a:lnRef idx="2">
+            <a:schemeClr val="accent1">
+              <a:shade val="50000"/>
+            </a:schemeClr>
+          </a:lnRef>
+          <a:fillRef idx="1">
+            <a:schemeClr val="accent1"/>
+          </a:fillRef>
+          <a:effectRef idx="0">
+            <a:schemeClr val="accent1"/>
+          </a:effectRef>
+          <a:fontRef idx="minor">
+            <a:schemeClr val="lt1"/>
+          </a:fontRef>
+        </p:style>
+        <p:txBody>
+          <a:bodyPr rtlCol="0" anchor="ctr"/>
+          <a:lstStyle/>
+          <a:p>
+            <a:pPr algn="ctr"/>
+            <a:endParaRPr lang="fr-BE" dirty="0"/>
+          </a:p>
+        </p:txBody>
+      </p:sp>
+      <p:sp>
+        <p:nvSpPr>
+          <p:cNvPr id="66" name="Ellipse 65">
+            <a:extLst>
+              <a:ext uri="{FF2B5EF4-FFF2-40B4-BE49-F238E27FC236}">
+                <a16:creationId xmlns:a16="http://schemas.microsoft.com/office/drawing/2014/main" id="{0CD573B7-B616-46B0-B694-FD7747A6D8E1}"/>
+              </a:ext>
+            </a:extLst>
+          </p:cNvPr>
+          <p:cNvSpPr/>
+          <p:nvPr/>
+        </p:nvSpPr>
+        <p:spPr>
+          <a:xfrm>
+            <a:off x="9175186" y="1688209"/>
+            <a:ext cx="276349" cy="276349"/>
+          </a:xfrm>
+          <a:prstGeom prst="ellipse">
+            <a:avLst/>
+          </a:prstGeom>
+          <a:solidFill>
+            <a:srgbClr val="00B0F0"/>
+          </a:solidFill>
+          <a:ln>
+            <a:noFill/>
+          </a:ln>
+        </p:spPr>
+        <p:style>
+          <a:lnRef idx="2">
+            <a:schemeClr val="accent1">
+              <a:shade val="50000"/>
+            </a:schemeClr>
+          </a:lnRef>
+          <a:fillRef idx="1">
+            <a:schemeClr val="accent1"/>
+          </a:fillRef>
+          <a:effectRef idx="0">
+            <a:schemeClr val="accent1"/>
+          </a:effectRef>
+          <a:fontRef idx="minor">
+            <a:schemeClr val="lt1"/>
+          </a:fontRef>
+        </p:style>
+        <p:txBody>
+          <a:bodyPr rtlCol="0" anchor="ctr"/>
+          <a:lstStyle/>
+          <a:p>
+            <a:pPr algn="ctr"/>
+            <a:endParaRPr lang="fr-BE" dirty="0"/>
+          </a:p>
+        </p:txBody>
+      </p:sp>
+      <p:sp>
+        <p:nvSpPr>
+          <p:cNvPr id="67" name="ZoneTexte 66">
+            <a:extLst>
+              <a:ext uri="{FF2B5EF4-FFF2-40B4-BE49-F238E27FC236}">
+                <a16:creationId xmlns:a16="http://schemas.microsoft.com/office/drawing/2014/main" id="{37F6B810-11DD-400F-AEEB-A05C4C68230E}"/>
+              </a:ext>
+            </a:extLst>
+          </p:cNvPr>
+          <p:cNvSpPr txBox="1"/>
+          <p:nvPr/>
+        </p:nvSpPr>
+        <p:spPr>
+          <a:xfrm>
+            <a:off x="3134453" y="6037830"/>
+            <a:ext cx="2119170" cy="369332"/>
+          </a:xfrm>
+          <a:prstGeom prst="rect">
+            <a:avLst/>
+          </a:prstGeom>
+          <a:noFill/>
+        </p:spPr>
+        <p:txBody>
+          <a:bodyPr wrap="none" rtlCol="0">
+            <a:spAutoFit/>
+          </a:bodyPr>
+          <a:lstStyle/>
+          <a:p>
+            <a:r>
+              <a:rPr lang="fr-BE" dirty="0"/>
+              <a:t>Domain / Repository</a:t>
+            </a:r>
+          </a:p>
+        </p:txBody>
+      </p:sp>
+      <p:sp>
+        <p:nvSpPr>
+          <p:cNvPr id="68" name="Ellipse 67">
+            <a:extLst>
+              <a:ext uri="{FF2B5EF4-FFF2-40B4-BE49-F238E27FC236}">
+                <a16:creationId xmlns:a16="http://schemas.microsoft.com/office/drawing/2014/main" id="{55993A40-F8DA-4933-85A9-6B2D71BE64CF}"/>
+              </a:ext>
+            </a:extLst>
+          </p:cNvPr>
+          <p:cNvSpPr/>
+          <p:nvPr/>
+        </p:nvSpPr>
+        <p:spPr>
+          <a:xfrm>
+            <a:off x="2020835" y="2676562"/>
+            <a:ext cx="276349" cy="276349"/>
+          </a:xfrm>
+          <a:prstGeom prst="ellipse">
+            <a:avLst/>
+          </a:prstGeom>
+          <a:solidFill>
+            <a:srgbClr val="00B0F0"/>
+          </a:solidFill>
+          <a:ln>
+            <a:noFill/>
+          </a:ln>
+        </p:spPr>
+        <p:style>
+          <a:lnRef idx="2">
+            <a:schemeClr val="accent1">
+              <a:shade val="50000"/>
+            </a:schemeClr>
+          </a:lnRef>
+          <a:fillRef idx="1">
+            <a:schemeClr val="accent1"/>
+          </a:fillRef>
+          <a:effectRef idx="0">
+            <a:schemeClr val="accent1"/>
+          </a:effectRef>
+          <a:fontRef idx="minor">
+            <a:schemeClr val="lt1"/>
+          </a:fontRef>
+        </p:style>
+        <p:txBody>
+          <a:bodyPr rtlCol="0" anchor="ctr"/>
+          <a:lstStyle/>
+          <a:p>
+            <a:pPr algn="ctr"/>
+            <a:endParaRPr lang="fr-BE" dirty="0"/>
+          </a:p>
+        </p:txBody>
+      </p:sp>
+      <p:sp>
+        <p:nvSpPr>
+          <p:cNvPr id="69" name="Ellipse 68">
+            <a:extLst>
+              <a:ext uri="{FF2B5EF4-FFF2-40B4-BE49-F238E27FC236}">
+                <a16:creationId xmlns:a16="http://schemas.microsoft.com/office/drawing/2014/main" id="{9FB40821-3272-4256-BA42-F9554F8F15B5}"/>
+              </a:ext>
+            </a:extLst>
+          </p:cNvPr>
+          <p:cNvSpPr/>
+          <p:nvPr/>
+        </p:nvSpPr>
+        <p:spPr>
+          <a:xfrm>
+            <a:off x="2159009" y="4045159"/>
+            <a:ext cx="276349" cy="276349"/>
+          </a:xfrm>
+          <a:prstGeom prst="ellipse">
+            <a:avLst/>
+          </a:prstGeom>
+          <a:solidFill>
+            <a:srgbClr val="00B0F0"/>
+          </a:solidFill>
+          <a:ln>
+            <a:noFill/>
+          </a:ln>
+        </p:spPr>
+        <p:style>
+          <a:lnRef idx="2">
+            <a:schemeClr val="accent1">
+              <a:shade val="50000"/>
+            </a:schemeClr>
+          </a:lnRef>
+          <a:fillRef idx="1">
+            <a:schemeClr val="accent1"/>
+          </a:fillRef>
+          <a:effectRef idx="0">
+            <a:schemeClr val="accent1"/>
+          </a:effectRef>
+          <a:fontRef idx="minor">
+            <a:schemeClr val="lt1"/>
+          </a:fontRef>
+        </p:style>
+        <p:txBody>
+          <a:bodyPr rtlCol="0" anchor="ctr"/>
+          <a:lstStyle/>
+          <a:p>
+            <a:pPr algn="ctr"/>
+            <a:endParaRPr lang="fr-BE" dirty="0"/>
+          </a:p>
+        </p:txBody>
+      </p:sp>
+      <p:sp>
+        <p:nvSpPr>
+          <p:cNvPr id="70" name="Ellipse 69">
+            <a:extLst>
+              <a:ext uri="{FF2B5EF4-FFF2-40B4-BE49-F238E27FC236}">
+                <a16:creationId xmlns:a16="http://schemas.microsoft.com/office/drawing/2014/main" id="{63675EE8-646A-4F81-92A5-BEC4162B3608}"/>
+              </a:ext>
+            </a:extLst>
+          </p:cNvPr>
+          <p:cNvSpPr/>
+          <p:nvPr/>
+        </p:nvSpPr>
+        <p:spPr>
+          <a:xfrm>
+            <a:off x="9323001" y="4784575"/>
+            <a:ext cx="276349" cy="276349"/>
+          </a:xfrm>
+          <a:prstGeom prst="ellipse">
+            <a:avLst/>
+          </a:prstGeom>
+          <a:solidFill>
+            <a:schemeClr val="bg2"/>
+          </a:solidFill>
+          <a:ln>
+            <a:noFill/>
+          </a:ln>
+        </p:spPr>
+        <p:style>
+          <a:lnRef idx="2">
+            <a:schemeClr val="accent1">
+              <a:shade val="50000"/>
+            </a:schemeClr>
+          </a:lnRef>
+          <a:fillRef idx="1">
+            <a:schemeClr val="accent1"/>
+          </a:fillRef>
+          <a:effectRef idx="0">
+            <a:schemeClr val="accent1"/>
+          </a:effectRef>
+          <a:fontRef idx="minor">
+            <a:schemeClr val="lt1"/>
+          </a:fontRef>
+        </p:style>
+        <p:txBody>
+          <a:bodyPr rtlCol="0" anchor="ctr"/>
+          <a:lstStyle/>
+          <a:p>
+            <a:pPr algn="ctr"/>
+            <a:endParaRPr lang="fr-BE" dirty="0"/>
+          </a:p>
+        </p:txBody>
+      </p:sp>
+      <p:sp>
+        <p:nvSpPr>
+          <p:cNvPr id="71" name="Ellipse 70">
+            <a:extLst>
+              <a:ext uri="{FF2B5EF4-FFF2-40B4-BE49-F238E27FC236}">
+                <a16:creationId xmlns:a16="http://schemas.microsoft.com/office/drawing/2014/main" id="{A27A7733-E5A0-4A42-BD0F-B7B611CB7C7A}"/>
+              </a:ext>
+            </a:extLst>
+          </p:cNvPr>
+          <p:cNvSpPr/>
+          <p:nvPr/>
+        </p:nvSpPr>
+        <p:spPr>
+          <a:xfrm>
+            <a:off x="9313360" y="2153629"/>
+            <a:ext cx="276349" cy="276349"/>
+          </a:xfrm>
+          <a:prstGeom prst="ellipse">
+            <a:avLst/>
+          </a:prstGeom>
+          <a:solidFill>
+            <a:srgbClr val="00B0F0"/>
+          </a:solidFill>
+          <a:ln>
+            <a:noFill/>
+          </a:ln>
+        </p:spPr>
+        <p:style>
+          <a:lnRef idx="2">
+            <a:schemeClr val="accent1">
+              <a:shade val="50000"/>
+            </a:schemeClr>
+          </a:lnRef>
+          <a:fillRef idx="1">
+            <a:schemeClr val="accent1"/>
+          </a:fillRef>
+          <a:effectRef idx="0">
+            <a:schemeClr val="accent1"/>
+          </a:effectRef>
+          <a:fontRef idx="minor">
+            <a:schemeClr val="lt1"/>
+          </a:fontRef>
+        </p:style>
+        <p:txBody>
+          <a:bodyPr rtlCol="0" anchor="ctr"/>
+          <a:lstStyle/>
+          <a:p>
+            <a:pPr algn="ctr"/>
+            <a:endParaRPr lang="fr-BE" dirty="0"/>
+          </a:p>
+        </p:txBody>
+      </p:sp>
+      <p:sp>
+        <p:nvSpPr>
+          <p:cNvPr id="72" name="Ellipse 71">
+            <a:extLst>
+              <a:ext uri="{FF2B5EF4-FFF2-40B4-BE49-F238E27FC236}">
+                <a16:creationId xmlns:a16="http://schemas.microsoft.com/office/drawing/2014/main" id="{116E6360-AED2-4230-8B0E-1BA188C88725}"/>
+              </a:ext>
+            </a:extLst>
+          </p:cNvPr>
+          <p:cNvSpPr/>
+          <p:nvPr/>
+        </p:nvSpPr>
+        <p:spPr>
+          <a:xfrm>
+            <a:off x="2857874" y="6476296"/>
+            <a:ext cx="276349" cy="276349"/>
+          </a:xfrm>
+          <a:prstGeom prst="ellipse">
+            <a:avLst/>
+          </a:prstGeom>
+          <a:solidFill>
+            <a:schemeClr val="bg2"/>
+          </a:solidFill>
+          <a:ln>
+            <a:noFill/>
+          </a:ln>
+        </p:spPr>
+        <p:style>
+          <a:lnRef idx="2">
+            <a:schemeClr val="accent1">
+              <a:shade val="50000"/>
+            </a:schemeClr>
+          </a:lnRef>
+          <a:fillRef idx="1">
+            <a:schemeClr val="accent1"/>
+          </a:fillRef>
+          <a:effectRef idx="0">
+            <a:schemeClr val="accent1"/>
+          </a:effectRef>
+          <a:fontRef idx="minor">
+            <a:schemeClr val="lt1"/>
+          </a:fontRef>
+        </p:style>
+        <p:txBody>
+          <a:bodyPr rtlCol="0" anchor="ctr"/>
+          <a:lstStyle/>
+          <a:p>
+            <a:pPr algn="ctr"/>
+            <a:endParaRPr lang="fr-BE" dirty="0"/>
+          </a:p>
+        </p:txBody>
+      </p:sp>
+      <p:sp>
+        <p:nvSpPr>
+          <p:cNvPr id="73" name="ZoneTexte 72">
+            <a:extLst>
+              <a:ext uri="{FF2B5EF4-FFF2-40B4-BE49-F238E27FC236}">
+                <a16:creationId xmlns:a16="http://schemas.microsoft.com/office/drawing/2014/main" id="{67C8E3F4-D387-48CE-8A8F-6123A4B20C9F}"/>
+              </a:ext>
+            </a:extLst>
+          </p:cNvPr>
+          <p:cNvSpPr txBox="1"/>
+          <p:nvPr/>
+        </p:nvSpPr>
+        <p:spPr>
+          <a:xfrm>
+            <a:off x="3112784" y="6441038"/>
+            <a:ext cx="2983445" cy="369332"/>
+          </a:xfrm>
+          <a:prstGeom prst="rect">
+            <a:avLst/>
+          </a:prstGeom>
+          <a:noFill/>
+        </p:spPr>
+        <p:txBody>
+          <a:bodyPr wrap="none" rtlCol="0">
+            <a:spAutoFit/>
+          </a:bodyPr>
+          <a:lstStyle/>
+          <a:p>
+            <a:r>
+              <a:rPr lang="en-US" dirty="0"/>
+              <a:t>Concept – no implementation</a:t>
+            </a:r>
+          </a:p>
+        </p:txBody>
+      </p:sp>
+      <p:sp>
+        <p:nvSpPr>
+          <p:cNvPr id="74" name="Ellipse 73">
+            <a:extLst>
+              <a:ext uri="{FF2B5EF4-FFF2-40B4-BE49-F238E27FC236}">
+                <a16:creationId xmlns:a16="http://schemas.microsoft.com/office/drawing/2014/main" id="{B350CEFB-C306-47EF-8D4B-EAA385275746}"/>
+              </a:ext>
+            </a:extLst>
+          </p:cNvPr>
+          <p:cNvSpPr/>
+          <p:nvPr/>
+        </p:nvSpPr>
+        <p:spPr>
+          <a:xfrm>
+            <a:off x="11624381" y="4118192"/>
+            <a:ext cx="276349" cy="276349"/>
+          </a:xfrm>
+          <a:prstGeom prst="ellipse">
+            <a:avLst/>
+          </a:prstGeom>
+          <a:solidFill>
+            <a:srgbClr val="92D050"/>
+          </a:solidFill>
+          <a:ln>
+            <a:noFill/>
+          </a:ln>
+        </p:spPr>
+        <p:style>
+          <a:lnRef idx="2">
+            <a:schemeClr val="accent1">
+              <a:shade val="50000"/>
+            </a:schemeClr>
+          </a:lnRef>
+          <a:fillRef idx="1">
+            <a:schemeClr val="accent1"/>
+          </a:fillRef>
+          <a:effectRef idx="0">
+            <a:schemeClr val="accent1"/>
+          </a:effectRef>
+          <a:fontRef idx="minor">
+            <a:schemeClr val="lt1"/>
+          </a:fontRef>
+        </p:style>
+        <p:txBody>
+          <a:bodyPr rtlCol="0" anchor="ctr"/>
+          <a:lstStyle/>
+          <a:p>
+            <a:pPr algn="ctr"/>
+            <a:endParaRPr lang="fr-BE" dirty="0"/>
+          </a:p>
+        </p:txBody>
+      </p:sp>
+      <p:sp>
+        <p:nvSpPr>
+          <p:cNvPr id="75" name="Ellipse 74">
+            <a:extLst>
+              <a:ext uri="{FF2B5EF4-FFF2-40B4-BE49-F238E27FC236}">
+                <a16:creationId xmlns:a16="http://schemas.microsoft.com/office/drawing/2014/main" id="{43E3FFC7-DFBD-4984-88DB-8E10B56F4879}"/>
+              </a:ext>
+            </a:extLst>
+          </p:cNvPr>
+          <p:cNvSpPr/>
+          <p:nvPr/>
+        </p:nvSpPr>
+        <p:spPr>
+          <a:xfrm>
+            <a:off x="11624381" y="5067180"/>
+            <a:ext cx="276349" cy="276349"/>
+          </a:xfrm>
+          <a:prstGeom prst="ellipse">
+            <a:avLst/>
+          </a:prstGeom>
+          <a:solidFill>
+            <a:srgbClr val="92D050"/>
+          </a:solidFill>
+          <a:ln>
+            <a:noFill/>
+          </a:ln>
+        </p:spPr>
+        <p:style>
+          <a:lnRef idx="2">
+            <a:schemeClr val="accent1">
+              <a:shade val="50000"/>
+            </a:schemeClr>
+          </a:lnRef>
+          <a:fillRef idx="1">
+            <a:schemeClr val="accent1"/>
+          </a:fillRef>
+          <a:effectRef idx="0">
+            <a:schemeClr val="accent1"/>
+          </a:effectRef>
+          <a:fontRef idx="minor">
+            <a:schemeClr val="lt1"/>
+          </a:fontRef>
+        </p:style>
+        <p:txBody>
+          <a:bodyPr rtlCol="0" anchor="ctr"/>
+          <a:lstStyle/>
+          <a:p>
+            <a:pPr algn="ctr"/>
+            <a:endParaRPr lang="fr-BE" dirty="0"/>
+          </a:p>
+        </p:txBody>
+      </p:sp>
+      <p:sp>
+        <p:nvSpPr>
+          <p:cNvPr id="76" name="Ellipse 75">
+            <a:extLst>
+              <a:ext uri="{FF2B5EF4-FFF2-40B4-BE49-F238E27FC236}">
+                <a16:creationId xmlns:a16="http://schemas.microsoft.com/office/drawing/2014/main" id="{82D02064-F01F-42CC-9F86-67F0E171CD4C}"/>
+              </a:ext>
+            </a:extLst>
+          </p:cNvPr>
+          <p:cNvSpPr/>
+          <p:nvPr/>
+        </p:nvSpPr>
+        <p:spPr>
+          <a:xfrm>
+            <a:off x="5783125" y="5727292"/>
+            <a:ext cx="276349" cy="276349"/>
+          </a:xfrm>
+          <a:prstGeom prst="ellipse">
+            <a:avLst/>
+          </a:prstGeom>
+          <a:solidFill>
+            <a:srgbClr val="92D050"/>
+          </a:solidFill>
+          <a:ln>
+            <a:noFill/>
+          </a:ln>
+        </p:spPr>
+        <p:style>
+          <a:lnRef idx="2">
+            <a:schemeClr val="accent1">
+              <a:shade val="50000"/>
+            </a:schemeClr>
+          </a:lnRef>
+          <a:fillRef idx="1">
+            <a:schemeClr val="accent1"/>
+          </a:fillRef>
+          <a:effectRef idx="0">
+            <a:schemeClr val="accent1"/>
+          </a:effectRef>
+          <a:fontRef idx="minor">
+            <a:schemeClr val="lt1"/>
+          </a:fontRef>
+        </p:style>
+        <p:txBody>
+          <a:bodyPr rtlCol="0" anchor="ctr"/>
+          <a:lstStyle/>
+          <a:p>
+            <a:pPr algn="ctr"/>
+            <a:endParaRPr lang="fr-BE" dirty="0"/>
+          </a:p>
+        </p:txBody>
+      </p:sp>
+      <p:sp>
+        <p:nvSpPr>
+          <p:cNvPr id="77" name="ZoneTexte 76">
+            <a:extLst>
+              <a:ext uri="{FF2B5EF4-FFF2-40B4-BE49-F238E27FC236}">
+                <a16:creationId xmlns:a16="http://schemas.microsoft.com/office/drawing/2014/main" id="{B568CE4D-F317-47FC-9979-758EBBDBE277}"/>
+              </a:ext>
+            </a:extLst>
+          </p:cNvPr>
+          <p:cNvSpPr txBox="1"/>
+          <p:nvPr/>
+        </p:nvSpPr>
+        <p:spPr>
+          <a:xfrm>
+            <a:off x="6011779" y="5697901"/>
+            <a:ext cx="1388156" cy="369332"/>
+          </a:xfrm>
+          <a:prstGeom prst="rect">
+            <a:avLst/>
+          </a:prstGeom>
+          <a:noFill/>
+        </p:spPr>
+        <p:txBody>
+          <a:bodyPr wrap="square">
+            <a:spAutoFit/>
+          </a:bodyPr>
+          <a:lstStyle/>
+          <a:p>
+            <a:r>
+              <a:rPr lang="en-US" dirty="0"/>
+              <a:t>Service only</a:t>
+            </a:r>
+          </a:p>
+        </p:txBody>
+      </p:sp>
+      <p:sp>
+        <p:nvSpPr>
+          <p:cNvPr id="78" name="Ellipse 77">
+            <a:extLst>
+              <a:ext uri="{FF2B5EF4-FFF2-40B4-BE49-F238E27FC236}">
+                <a16:creationId xmlns:a16="http://schemas.microsoft.com/office/drawing/2014/main" id="{931BAF90-9FFD-4ABA-916B-2352D68493C8}"/>
+              </a:ext>
+            </a:extLst>
+          </p:cNvPr>
+          <p:cNvSpPr/>
+          <p:nvPr/>
+        </p:nvSpPr>
+        <p:spPr>
+          <a:xfrm>
+            <a:off x="5783125" y="6116549"/>
+            <a:ext cx="276349" cy="276349"/>
+          </a:xfrm>
+          <a:prstGeom prst="ellipse">
+            <a:avLst/>
+          </a:prstGeom>
+          <a:solidFill>
+            <a:srgbClr val="FF0000"/>
+          </a:solidFill>
+          <a:ln>
+            <a:noFill/>
+          </a:ln>
+        </p:spPr>
+        <p:style>
+          <a:lnRef idx="2">
+            <a:schemeClr val="accent1">
+              <a:shade val="50000"/>
+            </a:schemeClr>
+          </a:lnRef>
+          <a:fillRef idx="1">
+            <a:schemeClr val="accent1"/>
+          </a:fillRef>
+          <a:effectRef idx="0">
+            <a:schemeClr val="accent1"/>
+          </a:effectRef>
+          <a:fontRef idx="minor">
+            <a:schemeClr val="lt1"/>
+          </a:fontRef>
+        </p:style>
+        <p:txBody>
+          <a:bodyPr rtlCol="0" anchor="ctr"/>
+          <a:lstStyle/>
+          <a:p>
+            <a:pPr algn="ctr"/>
+            <a:endParaRPr lang="fr-BE" dirty="0"/>
+          </a:p>
+        </p:txBody>
+      </p:sp>
+      <p:sp>
+        <p:nvSpPr>
+          <p:cNvPr id="79" name="ZoneTexte 78">
+            <a:extLst>
+              <a:ext uri="{FF2B5EF4-FFF2-40B4-BE49-F238E27FC236}">
+                <a16:creationId xmlns:a16="http://schemas.microsoft.com/office/drawing/2014/main" id="{EC63C5B0-96E4-4153-B94E-B5D8C75A6977}"/>
+              </a:ext>
+            </a:extLst>
+          </p:cNvPr>
+          <p:cNvSpPr txBox="1"/>
+          <p:nvPr/>
+        </p:nvSpPr>
+        <p:spPr>
+          <a:xfrm>
+            <a:off x="6023510" y="6071706"/>
+            <a:ext cx="1388156" cy="369332"/>
+          </a:xfrm>
+          <a:prstGeom prst="rect">
+            <a:avLst/>
+          </a:prstGeom>
+          <a:noFill/>
+        </p:spPr>
+        <p:txBody>
+          <a:bodyPr wrap="square">
+            <a:spAutoFit/>
+          </a:bodyPr>
+          <a:lstStyle/>
+          <a:p>
+            <a:r>
+              <a:rPr lang="en-US" dirty="0"/>
+              <a:t>Security</a:t>
+            </a:r>
+          </a:p>
+        </p:txBody>
+      </p:sp>
+      <p:sp>
+        <p:nvSpPr>
+          <p:cNvPr id="80" name="Ellipse 79">
+            <a:extLst>
+              <a:ext uri="{FF2B5EF4-FFF2-40B4-BE49-F238E27FC236}">
+                <a16:creationId xmlns:a16="http://schemas.microsoft.com/office/drawing/2014/main" id="{091EE02F-0C0D-4F72-ACF0-4DDB39FD0141}"/>
+              </a:ext>
+            </a:extLst>
+          </p:cNvPr>
+          <p:cNvSpPr/>
+          <p:nvPr/>
+        </p:nvSpPr>
+        <p:spPr>
+          <a:xfrm>
+            <a:off x="11613646" y="2948758"/>
+            <a:ext cx="276349" cy="276349"/>
+          </a:xfrm>
+          <a:prstGeom prst="ellipse">
+            <a:avLst/>
+          </a:prstGeom>
+          <a:solidFill>
+            <a:srgbClr val="00B0F0"/>
+          </a:solidFill>
+          <a:ln>
+            <a:noFill/>
+          </a:ln>
+        </p:spPr>
+        <p:style>
+          <a:lnRef idx="2">
+            <a:schemeClr val="accent1">
+              <a:shade val="50000"/>
+            </a:schemeClr>
+          </a:lnRef>
+          <a:fillRef idx="1">
+            <a:schemeClr val="accent1"/>
+          </a:fillRef>
+          <a:effectRef idx="0">
+            <a:schemeClr val="accent1"/>
+          </a:effectRef>
+          <a:fontRef idx="minor">
+            <a:schemeClr val="lt1"/>
+          </a:fontRef>
+        </p:style>
+        <p:txBody>
+          <a:bodyPr rtlCol="0" anchor="ctr"/>
+          <a:lstStyle/>
+          <a:p>
+            <a:pPr algn="ctr"/>
+            <a:endParaRPr lang="fr-BE" dirty="0"/>
           </a:p>
         </p:txBody>
       </p:sp>

--- a/src/main/resources/UML.pptx
+++ b/src/main/resources/UML.pptx
@@ -6,6 +6,7 @@
   </p:sldMasterIdLst>
   <p:sldIdLst>
     <p:sldId id="256" r:id="rId2"/>
+    <p:sldId id="257" r:id="rId3"/>
   </p:sldIdLst>
   <p:sldSz cx="12192000" cy="6858000"/>
   <p:notesSz cx="6858000" cy="9144000"/>
@@ -288,7 +289,7 @@
           <a:p>
             <a:fld id="{23290B7C-1F33-4ACF-938A-472AACE0F966}" type="datetimeFigureOut">
               <a:rPr lang="fr-BE" smtClean="0"/>
-              <a:t>06-12-21</a:t>
+              <a:t>07-12-21</a:t>
             </a:fld>
             <a:endParaRPr lang="fr-BE"/>
           </a:p>
@@ -488,7 +489,7 @@
           <a:p>
             <a:fld id="{23290B7C-1F33-4ACF-938A-472AACE0F966}" type="datetimeFigureOut">
               <a:rPr lang="fr-BE" smtClean="0"/>
-              <a:t>06-12-21</a:t>
+              <a:t>07-12-21</a:t>
             </a:fld>
             <a:endParaRPr lang="fr-BE"/>
           </a:p>
@@ -698,7 +699,7 @@
           <a:p>
             <a:fld id="{23290B7C-1F33-4ACF-938A-472AACE0F966}" type="datetimeFigureOut">
               <a:rPr lang="fr-BE" smtClean="0"/>
-              <a:t>06-12-21</a:t>
+              <a:t>07-12-21</a:t>
             </a:fld>
             <a:endParaRPr lang="fr-BE"/>
           </a:p>
@@ -898,7 +899,7 @@
           <a:p>
             <a:fld id="{23290B7C-1F33-4ACF-938A-472AACE0F966}" type="datetimeFigureOut">
               <a:rPr lang="fr-BE" smtClean="0"/>
-              <a:t>06-12-21</a:t>
+              <a:t>07-12-21</a:t>
             </a:fld>
             <a:endParaRPr lang="fr-BE"/>
           </a:p>
@@ -1174,7 +1175,7 @@
           <a:p>
             <a:fld id="{23290B7C-1F33-4ACF-938A-472AACE0F966}" type="datetimeFigureOut">
               <a:rPr lang="fr-BE" smtClean="0"/>
-              <a:t>06-12-21</a:t>
+              <a:t>07-12-21</a:t>
             </a:fld>
             <a:endParaRPr lang="fr-BE"/>
           </a:p>
@@ -1442,7 +1443,7 @@
           <a:p>
             <a:fld id="{23290B7C-1F33-4ACF-938A-472AACE0F966}" type="datetimeFigureOut">
               <a:rPr lang="fr-BE" smtClean="0"/>
-              <a:t>06-12-21</a:t>
+              <a:t>07-12-21</a:t>
             </a:fld>
             <a:endParaRPr lang="fr-BE"/>
           </a:p>
@@ -1857,7 +1858,7 @@
           <a:p>
             <a:fld id="{23290B7C-1F33-4ACF-938A-472AACE0F966}" type="datetimeFigureOut">
               <a:rPr lang="fr-BE" smtClean="0"/>
-              <a:t>06-12-21</a:t>
+              <a:t>07-12-21</a:t>
             </a:fld>
             <a:endParaRPr lang="fr-BE"/>
           </a:p>
@@ -1999,7 +2000,7 @@
           <a:p>
             <a:fld id="{23290B7C-1F33-4ACF-938A-472AACE0F966}" type="datetimeFigureOut">
               <a:rPr lang="fr-BE" smtClean="0"/>
-              <a:t>06-12-21</a:t>
+              <a:t>07-12-21</a:t>
             </a:fld>
             <a:endParaRPr lang="fr-BE"/>
           </a:p>
@@ -2112,7 +2113,7 @@
           <a:p>
             <a:fld id="{23290B7C-1F33-4ACF-938A-472AACE0F966}" type="datetimeFigureOut">
               <a:rPr lang="fr-BE" smtClean="0"/>
-              <a:t>06-12-21</a:t>
+              <a:t>07-12-21</a:t>
             </a:fld>
             <a:endParaRPr lang="fr-BE"/>
           </a:p>
@@ -2425,7 +2426,7 @@
           <a:p>
             <a:fld id="{23290B7C-1F33-4ACF-938A-472AACE0F966}" type="datetimeFigureOut">
               <a:rPr lang="fr-BE" smtClean="0"/>
-              <a:t>06-12-21</a:t>
+              <a:t>07-12-21</a:t>
             </a:fld>
             <a:endParaRPr lang="fr-BE"/>
           </a:p>
@@ -2714,7 +2715,7 @@
           <a:p>
             <a:fld id="{23290B7C-1F33-4ACF-938A-472AACE0F966}" type="datetimeFigureOut">
               <a:rPr lang="fr-BE" smtClean="0"/>
-              <a:t>06-12-21</a:t>
+              <a:t>07-12-21</a:t>
             </a:fld>
             <a:endParaRPr lang="fr-BE"/>
           </a:p>
@@ -2957,7 +2958,7 @@
           <a:p>
             <a:fld id="{23290B7C-1F33-4ACF-938A-472AACE0F966}" type="datetimeFigureOut">
               <a:rPr lang="fr-BE" smtClean="0"/>
-              <a:t>06-12-21</a:t>
+              <a:t>07-12-21</a:t>
             </a:fld>
             <a:endParaRPr lang="fr-BE"/>
           </a:p>
@@ -3391,12 +3392,191 @@
             <a:off x="285226" y="310391"/>
             <a:ext cx="2080470" cy="343949"/>
           </a:xfrm>
-          <a:prstGeom prst="rect">
+          <a:custGeom>
             <a:avLst/>
-          </a:prstGeom>
+            <a:gdLst>
+              <a:gd name="connsiteX0" fmla="*/ 0 w 2080470"/>
+              <a:gd name="connsiteY0" fmla="*/ 0 h 343949"/>
+              <a:gd name="connsiteX1" fmla="*/ 561727 w 2080470"/>
+              <a:gd name="connsiteY1" fmla="*/ 0 h 343949"/>
+              <a:gd name="connsiteX2" fmla="*/ 1081844 w 2080470"/>
+              <a:gd name="connsiteY2" fmla="*/ 0 h 343949"/>
+              <a:gd name="connsiteX3" fmla="*/ 1601962 w 2080470"/>
+              <a:gd name="connsiteY3" fmla="*/ 0 h 343949"/>
+              <a:gd name="connsiteX4" fmla="*/ 2080470 w 2080470"/>
+              <a:gd name="connsiteY4" fmla="*/ 0 h 343949"/>
+              <a:gd name="connsiteX5" fmla="*/ 2080470 w 2080470"/>
+              <a:gd name="connsiteY5" fmla="*/ 343949 h 343949"/>
+              <a:gd name="connsiteX6" fmla="*/ 1539548 w 2080470"/>
+              <a:gd name="connsiteY6" fmla="*/ 343949 h 343949"/>
+              <a:gd name="connsiteX7" fmla="*/ 998626 w 2080470"/>
+              <a:gd name="connsiteY7" fmla="*/ 343949 h 343949"/>
+              <a:gd name="connsiteX8" fmla="*/ 0 w 2080470"/>
+              <a:gd name="connsiteY8" fmla="*/ 343949 h 343949"/>
+              <a:gd name="connsiteX9" fmla="*/ 0 w 2080470"/>
+              <a:gd name="connsiteY9" fmla="*/ 0 h 343949"/>
+            </a:gdLst>
+            <a:ahLst/>
+            <a:cxnLst>
+              <a:cxn ang="0">
+                <a:pos x="connsiteX0" y="connsiteY0"/>
+              </a:cxn>
+              <a:cxn ang="0">
+                <a:pos x="connsiteX1" y="connsiteY1"/>
+              </a:cxn>
+              <a:cxn ang="0">
+                <a:pos x="connsiteX2" y="connsiteY2"/>
+              </a:cxn>
+              <a:cxn ang="0">
+                <a:pos x="connsiteX3" y="connsiteY3"/>
+              </a:cxn>
+              <a:cxn ang="0">
+                <a:pos x="connsiteX4" y="connsiteY4"/>
+              </a:cxn>
+              <a:cxn ang="0">
+                <a:pos x="connsiteX5" y="connsiteY5"/>
+              </a:cxn>
+              <a:cxn ang="0">
+                <a:pos x="connsiteX6" y="connsiteY6"/>
+              </a:cxn>
+              <a:cxn ang="0">
+                <a:pos x="connsiteX7" y="connsiteY7"/>
+              </a:cxn>
+              <a:cxn ang="0">
+                <a:pos x="connsiteX8" y="connsiteY8"/>
+              </a:cxn>
+              <a:cxn ang="0">
+                <a:pos x="connsiteX9" y="connsiteY9"/>
+              </a:cxn>
+            </a:cxnLst>
+            <a:rect l="l" t="t" r="r" b="b"/>
+            <a:pathLst>
+              <a:path w="2080470" h="343949" fill="none" extrusionOk="0">
+                <a:moveTo>
+                  <a:pt x="0" y="0"/>
+                </a:moveTo>
+                <a:cubicBezTo>
+                  <a:pt x="246237" y="-51443"/>
+                  <a:pt x="363094" y="11131"/>
+                  <a:pt x="561727" y="0"/>
+                </a:cubicBezTo>
+                <a:cubicBezTo>
+                  <a:pt x="760360" y="-11131"/>
+                  <a:pt x="858294" y="36787"/>
+                  <a:pt x="1081844" y="0"/>
+                </a:cubicBezTo>
+                <a:cubicBezTo>
+                  <a:pt x="1305394" y="-36787"/>
+                  <a:pt x="1424743" y="696"/>
+                  <a:pt x="1601962" y="0"/>
+                </a:cubicBezTo>
+                <a:cubicBezTo>
+                  <a:pt x="1779181" y="-696"/>
+                  <a:pt x="1887576" y="3185"/>
+                  <a:pt x="2080470" y="0"/>
+                </a:cubicBezTo>
+                <a:cubicBezTo>
+                  <a:pt x="2091938" y="81448"/>
+                  <a:pt x="2066475" y="209277"/>
+                  <a:pt x="2080470" y="343949"/>
+                </a:cubicBezTo>
+                <a:cubicBezTo>
+                  <a:pt x="1854496" y="364611"/>
+                  <a:pt x="1668116" y="315769"/>
+                  <a:pt x="1539548" y="343949"/>
+                </a:cubicBezTo>
+                <a:cubicBezTo>
+                  <a:pt x="1410980" y="372129"/>
+                  <a:pt x="1158105" y="302682"/>
+                  <a:pt x="998626" y="343949"/>
+                </a:cubicBezTo>
+                <a:cubicBezTo>
+                  <a:pt x="839147" y="385216"/>
+                  <a:pt x="481335" y="335162"/>
+                  <a:pt x="0" y="343949"/>
+                </a:cubicBezTo>
+                <a:cubicBezTo>
+                  <a:pt x="-39786" y="211529"/>
+                  <a:pt x="26154" y="146506"/>
+                  <a:pt x="0" y="0"/>
+                </a:cubicBezTo>
+                <a:close/>
+              </a:path>
+              <a:path w="2080470" h="343949" stroke="0" extrusionOk="0">
+                <a:moveTo>
+                  <a:pt x="0" y="0"/>
+                </a:moveTo>
+                <a:cubicBezTo>
+                  <a:pt x="191715" y="-1297"/>
+                  <a:pt x="308507" y="60182"/>
+                  <a:pt x="520118" y="0"/>
+                </a:cubicBezTo>
+                <a:cubicBezTo>
+                  <a:pt x="731729" y="-60182"/>
+                  <a:pt x="966637" y="66768"/>
+                  <a:pt x="1081844" y="0"/>
+                </a:cubicBezTo>
+                <a:cubicBezTo>
+                  <a:pt x="1197051" y="-66768"/>
+                  <a:pt x="1376899" y="44332"/>
+                  <a:pt x="1581157" y="0"/>
+                </a:cubicBezTo>
+                <a:cubicBezTo>
+                  <a:pt x="1785415" y="-44332"/>
+                  <a:pt x="1888307" y="25973"/>
+                  <a:pt x="2080470" y="0"/>
+                </a:cubicBezTo>
+                <a:cubicBezTo>
+                  <a:pt x="2088611" y="91645"/>
+                  <a:pt x="2080288" y="272263"/>
+                  <a:pt x="2080470" y="343949"/>
+                </a:cubicBezTo>
+                <a:cubicBezTo>
+                  <a:pt x="1929485" y="393117"/>
+                  <a:pt x="1790366" y="315696"/>
+                  <a:pt x="1539548" y="343949"/>
+                </a:cubicBezTo>
+                <a:cubicBezTo>
+                  <a:pt x="1288730" y="372202"/>
+                  <a:pt x="1228593" y="315659"/>
+                  <a:pt x="1019430" y="343949"/>
+                </a:cubicBezTo>
+                <a:cubicBezTo>
+                  <a:pt x="810267" y="372239"/>
+                  <a:pt x="734753" y="322276"/>
+                  <a:pt x="561727" y="343949"/>
+                </a:cubicBezTo>
+                <a:cubicBezTo>
+                  <a:pt x="388701" y="365622"/>
+                  <a:pt x="192533" y="295824"/>
+                  <a:pt x="0" y="343949"/>
+                </a:cubicBezTo>
+                <a:cubicBezTo>
+                  <a:pt x="-25917" y="173050"/>
+                  <a:pt x="1217" y="157101"/>
+                  <a:pt x="0" y="0"/>
+                </a:cubicBezTo>
+                <a:close/>
+              </a:path>
+            </a:pathLst>
+          </a:custGeom>
           <a:solidFill>
             <a:schemeClr val="tx2"/>
           </a:solidFill>
+          <a:ln>
+            <a:extLst>
+              <a:ext uri="{C807C97D-BFC1-408E-A445-0C87EB9F89A2}">
+                <ask:lineSketchStyleProps xmlns:ask="http://schemas.microsoft.com/office/drawing/2018/sketchyshapes" sd="1640864792">
+                  <a:prstGeom prst="rect">
+                    <a:avLst/>
+                  </a:prstGeom>
+                  <ask:type>
+                    <ask:lineSketchScribble/>
+                  </ask:type>
+                </ask:lineSketchStyleProps>
+              </a:ext>
+            </a:extLst>
+          </a:ln>
         </p:spPr>
         <p:style>
           <a:lnRef idx="2">
@@ -3448,12 +3628,261 @@
             <a:off x="285225" y="654341"/>
             <a:ext cx="2080470" cy="1359017"/>
           </a:xfrm>
-          <a:prstGeom prst="rect">
+          <a:custGeom>
             <a:avLst/>
-          </a:prstGeom>
+            <a:gdLst>
+              <a:gd name="connsiteX0" fmla="*/ 0 w 2080470"/>
+              <a:gd name="connsiteY0" fmla="*/ 0 h 1359017"/>
+              <a:gd name="connsiteX1" fmla="*/ 457703 w 2080470"/>
+              <a:gd name="connsiteY1" fmla="*/ 0 h 1359017"/>
+              <a:gd name="connsiteX2" fmla="*/ 957016 w 2080470"/>
+              <a:gd name="connsiteY2" fmla="*/ 0 h 1359017"/>
+              <a:gd name="connsiteX3" fmla="*/ 1435524 w 2080470"/>
+              <a:gd name="connsiteY3" fmla="*/ 0 h 1359017"/>
+              <a:gd name="connsiteX4" fmla="*/ 2080470 w 2080470"/>
+              <a:gd name="connsiteY4" fmla="*/ 0 h 1359017"/>
+              <a:gd name="connsiteX5" fmla="*/ 2080470 w 2080470"/>
+              <a:gd name="connsiteY5" fmla="*/ 425825 h 1359017"/>
+              <a:gd name="connsiteX6" fmla="*/ 2080470 w 2080470"/>
+              <a:gd name="connsiteY6" fmla="*/ 906011 h 1359017"/>
+              <a:gd name="connsiteX7" fmla="*/ 2080470 w 2080470"/>
+              <a:gd name="connsiteY7" fmla="*/ 1359017 h 1359017"/>
+              <a:gd name="connsiteX8" fmla="*/ 1518743 w 2080470"/>
+              <a:gd name="connsiteY8" fmla="*/ 1359017 h 1359017"/>
+              <a:gd name="connsiteX9" fmla="*/ 1040235 w 2080470"/>
+              <a:gd name="connsiteY9" fmla="*/ 1359017 h 1359017"/>
+              <a:gd name="connsiteX10" fmla="*/ 582532 w 2080470"/>
+              <a:gd name="connsiteY10" fmla="*/ 1359017 h 1359017"/>
+              <a:gd name="connsiteX11" fmla="*/ 0 w 2080470"/>
+              <a:gd name="connsiteY11" fmla="*/ 1359017 h 1359017"/>
+              <a:gd name="connsiteX12" fmla="*/ 0 w 2080470"/>
+              <a:gd name="connsiteY12" fmla="*/ 906011 h 1359017"/>
+              <a:gd name="connsiteX13" fmla="*/ 0 w 2080470"/>
+              <a:gd name="connsiteY13" fmla="*/ 425825 h 1359017"/>
+              <a:gd name="connsiteX14" fmla="*/ 0 w 2080470"/>
+              <a:gd name="connsiteY14" fmla="*/ 0 h 1359017"/>
+            </a:gdLst>
+            <a:ahLst/>
+            <a:cxnLst>
+              <a:cxn ang="0">
+                <a:pos x="connsiteX0" y="connsiteY0"/>
+              </a:cxn>
+              <a:cxn ang="0">
+                <a:pos x="connsiteX1" y="connsiteY1"/>
+              </a:cxn>
+              <a:cxn ang="0">
+                <a:pos x="connsiteX2" y="connsiteY2"/>
+              </a:cxn>
+              <a:cxn ang="0">
+                <a:pos x="connsiteX3" y="connsiteY3"/>
+              </a:cxn>
+              <a:cxn ang="0">
+                <a:pos x="connsiteX4" y="connsiteY4"/>
+              </a:cxn>
+              <a:cxn ang="0">
+                <a:pos x="connsiteX5" y="connsiteY5"/>
+              </a:cxn>
+              <a:cxn ang="0">
+                <a:pos x="connsiteX6" y="connsiteY6"/>
+              </a:cxn>
+              <a:cxn ang="0">
+                <a:pos x="connsiteX7" y="connsiteY7"/>
+              </a:cxn>
+              <a:cxn ang="0">
+                <a:pos x="connsiteX8" y="connsiteY8"/>
+              </a:cxn>
+              <a:cxn ang="0">
+                <a:pos x="connsiteX9" y="connsiteY9"/>
+              </a:cxn>
+              <a:cxn ang="0">
+                <a:pos x="connsiteX10" y="connsiteY10"/>
+              </a:cxn>
+              <a:cxn ang="0">
+                <a:pos x="connsiteX11" y="connsiteY11"/>
+              </a:cxn>
+              <a:cxn ang="0">
+                <a:pos x="connsiteX12" y="connsiteY12"/>
+              </a:cxn>
+              <a:cxn ang="0">
+                <a:pos x="connsiteX13" y="connsiteY13"/>
+              </a:cxn>
+              <a:cxn ang="0">
+                <a:pos x="connsiteX14" y="connsiteY14"/>
+              </a:cxn>
+            </a:cxnLst>
+            <a:rect l="l" t="t" r="r" b="b"/>
+            <a:pathLst>
+              <a:path w="2080470" h="1359017" fill="none" extrusionOk="0">
+                <a:moveTo>
+                  <a:pt x="0" y="0"/>
+                </a:moveTo>
+                <a:cubicBezTo>
+                  <a:pt x="98453" y="-34354"/>
+                  <a:pt x="336221" y="46169"/>
+                  <a:pt x="457703" y="0"/>
+                </a:cubicBezTo>
+                <a:cubicBezTo>
+                  <a:pt x="579185" y="-46169"/>
+                  <a:pt x="818387" y="278"/>
+                  <a:pt x="957016" y="0"/>
+                </a:cubicBezTo>
+                <a:cubicBezTo>
+                  <a:pt x="1095645" y="-278"/>
+                  <a:pt x="1298160" y="38426"/>
+                  <a:pt x="1435524" y="0"/>
+                </a:cubicBezTo>
+                <a:cubicBezTo>
+                  <a:pt x="1572888" y="-38426"/>
+                  <a:pt x="1854614" y="28685"/>
+                  <a:pt x="2080470" y="0"/>
+                </a:cubicBezTo>
+                <a:cubicBezTo>
+                  <a:pt x="2104693" y="102648"/>
+                  <a:pt x="2065587" y="242384"/>
+                  <a:pt x="2080470" y="425825"/>
+                </a:cubicBezTo>
+                <a:cubicBezTo>
+                  <a:pt x="2095353" y="609266"/>
+                  <a:pt x="2033509" y="743373"/>
+                  <a:pt x="2080470" y="906011"/>
+                </a:cubicBezTo>
+                <a:cubicBezTo>
+                  <a:pt x="2127431" y="1068649"/>
+                  <a:pt x="2061405" y="1150893"/>
+                  <a:pt x="2080470" y="1359017"/>
+                </a:cubicBezTo>
+                <a:cubicBezTo>
+                  <a:pt x="1909760" y="1387629"/>
+                  <a:pt x="1710998" y="1343029"/>
+                  <a:pt x="1518743" y="1359017"/>
+                </a:cubicBezTo>
+                <a:cubicBezTo>
+                  <a:pt x="1326488" y="1375005"/>
+                  <a:pt x="1159541" y="1307204"/>
+                  <a:pt x="1040235" y="1359017"/>
+                </a:cubicBezTo>
+                <a:cubicBezTo>
+                  <a:pt x="920929" y="1410830"/>
+                  <a:pt x="722915" y="1344887"/>
+                  <a:pt x="582532" y="1359017"/>
+                </a:cubicBezTo>
+                <a:cubicBezTo>
+                  <a:pt x="442149" y="1373147"/>
+                  <a:pt x="210242" y="1350219"/>
+                  <a:pt x="0" y="1359017"/>
+                </a:cubicBezTo>
+                <a:cubicBezTo>
+                  <a:pt x="-38577" y="1265158"/>
+                  <a:pt x="48544" y="1099474"/>
+                  <a:pt x="0" y="906011"/>
+                </a:cubicBezTo>
+                <a:cubicBezTo>
+                  <a:pt x="-48544" y="712548"/>
+                  <a:pt x="13352" y="611644"/>
+                  <a:pt x="0" y="425825"/>
+                </a:cubicBezTo>
+                <a:cubicBezTo>
+                  <a:pt x="-13352" y="240006"/>
+                  <a:pt x="3169" y="125169"/>
+                  <a:pt x="0" y="0"/>
+                </a:cubicBezTo>
+                <a:close/>
+              </a:path>
+              <a:path w="2080470" h="1359017" stroke="0" extrusionOk="0">
+                <a:moveTo>
+                  <a:pt x="0" y="0"/>
+                </a:moveTo>
+                <a:cubicBezTo>
+                  <a:pt x="253766" y="-20081"/>
+                  <a:pt x="357354" y="43942"/>
+                  <a:pt x="561727" y="0"/>
+                </a:cubicBezTo>
+                <a:cubicBezTo>
+                  <a:pt x="766100" y="-43942"/>
+                  <a:pt x="930822" y="20042"/>
+                  <a:pt x="1081844" y="0"/>
+                </a:cubicBezTo>
+                <a:cubicBezTo>
+                  <a:pt x="1232866" y="-20042"/>
+                  <a:pt x="1398973" y="4203"/>
+                  <a:pt x="1560353" y="0"/>
+                </a:cubicBezTo>
+                <a:cubicBezTo>
+                  <a:pt x="1721733" y="-4203"/>
+                  <a:pt x="1945998" y="26898"/>
+                  <a:pt x="2080470" y="0"/>
+                </a:cubicBezTo>
+                <a:cubicBezTo>
+                  <a:pt x="2094562" y="99200"/>
+                  <a:pt x="2026428" y="238479"/>
+                  <a:pt x="2080470" y="453006"/>
+                </a:cubicBezTo>
+                <a:cubicBezTo>
+                  <a:pt x="2134512" y="667533"/>
+                  <a:pt x="2067229" y="696784"/>
+                  <a:pt x="2080470" y="892421"/>
+                </a:cubicBezTo>
+                <a:cubicBezTo>
+                  <a:pt x="2093711" y="1088058"/>
+                  <a:pt x="2060552" y="1191322"/>
+                  <a:pt x="2080470" y="1359017"/>
+                </a:cubicBezTo>
+                <a:cubicBezTo>
+                  <a:pt x="1919919" y="1410611"/>
+                  <a:pt x="1669769" y="1350477"/>
+                  <a:pt x="1539548" y="1359017"/>
+                </a:cubicBezTo>
+                <a:cubicBezTo>
+                  <a:pt x="1409327" y="1367557"/>
+                  <a:pt x="1163315" y="1344618"/>
+                  <a:pt x="1061040" y="1359017"/>
+                </a:cubicBezTo>
+                <a:cubicBezTo>
+                  <a:pt x="958765" y="1373416"/>
+                  <a:pt x="735244" y="1305345"/>
+                  <a:pt x="582532" y="1359017"/>
+                </a:cubicBezTo>
+                <a:cubicBezTo>
+                  <a:pt x="429820" y="1412689"/>
+                  <a:pt x="200602" y="1358691"/>
+                  <a:pt x="0" y="1359017"/>
+                </a:cubicBezTo>
+                <a:cubicBezTo>
+                  <a:pt x="-16153" y="1256895"/>
+                  <a:pt x="25122" y="1088915"/>
+                  <a:pt x="0" y="933192"/>
+                </a:cubicBezTo>
+                <a:cubicBezTo>
+                  <a:pt x="-25122" y="777470"/>
+                  <a:pt x="37718" y="673495"/>
+                  <a:pt x="0" y="480186"/>
+                </a:cubicBezTo>
+                <a:cubicBezTo>
+                  <a:pt x="-37718" y="286877"/>
+                  <a:pt x="46962" y="209335"/>
+                  <a:pt x="0" y="0"/>
+                </a:cubicBezTo>
+                <a:close/>
+              </a:path>
+            </a:pathLst>
+          </a:custGeom>
           <a:solidFill>
             <a:srgbClr val="92D050"/>
           </a:solidFill>
+          <a:ln>
+            <a:extLst>
+              <a:ext uri="{C807C97D-BFC1-408E-A445-0C87EB9F89A2}">
+                <ask:lineSketchStyleProps xmlns:ask="http://schemas.microsoft.com/office/drawing/2018/sketchyshapes" sd="1463851554">
+                  <a:prstGeom prst="rect">
+                    <a:avLst/>
+                  </a:prstGeom>
+                  <ask:type>
+                    <ask:lineSketchScribble/>
+                  </ask:type>
+                </ask:lineSketchStyleProps>
+              </a:ext>
+            </a:extLst>
+          </a:ln>
         </p:spPr>
         <p:style>
           <a:lnRef idx="2">
@@ -3736,12 +4165,171 @@
             <a:off x="2660709" y="310391"/>
             <a:ext cx="2080470" cy="343949"/>
           </a:xfrm>
-          <a:prstGeom prst="rect">
+          <a:custGeom>
             <a:avLst/>
-          </a:prstGeom>
+            <a:gdLst>
+              <a:gd name="connsiteX0" fmla="*/ 0 w 2080470"/>
+              <a:gd name="connsiteY0" fmla="*/ 0 h 343949"/>
+              <a:gd name="connsiteX1" fmla="*/ 693490 w 2080470"/>
+              <a:gd name="connsiteY1" fmla="*/ 0 h 343949"/>
+              <a:gd name="connsiteX2" fmla="*/ 1324566 w 2080470"/>
+              <a:gd name="connsiteY2" fmla="*/ 0 h 343949"/>
+              <a:gd name="connsiteX3" fmla="*/ 2080470 w 2080470"/>
+              <a:gd name="connsiteY3" fmla="*/ 0 h 343949"/>
+              <a:gd name="connsiteX4" fmla="*/ 2080470 w 2080470"/>
+              <a:gd name="connsiteY4" fmla="*/ 343949 h 343949"/>
+              <a:gd name="connsiteX5" fmla="*/ 1366175 w 2080470"/>
+              <a:gd name="connsiteY5" fmla="*/ 343949 h 343949"/>
+              <a:gd name="connsiteX6" fmla="*/ 672685 w 2080470"/>
+              <a:gd name="connsiteY6" fmla="*/ 343949 h 343949"/>
+              <a:gd name="connsiteX7" fmla="*/ 0 w 2080470"/>
+              <a:gd name="connsiteY7" fmla="*/ 343949 h 343949"/>
+              <a:gd name="connsiteX8" fmla="*/ 0 w 2080470"/>
+              <a:gd name="connsiteY8" fmla="*/ 0 h 343949"/>
+            </a:gdLst>
+            <a:ahLst/>
+            <a:cxnLst>
+              <a:cxn ang="0">
+                <a:pos x="connsiteX0" y="connsiteY0"/>
+              </a:cxn>
+              <a:cxn ang="0">
+                <a:pos x="connsiteX1" y="connsiteY1"/>
+              </a:cxn>
+              <a:cxn ang="0">
+                <a:pos x="connsiteX2" y="connsiteY2"/>
+              </a:cxn>
+              <a:cxn ang="0">
+                <a:pos x="connsiteX3" y="connsiteY3"/>
+              </a:cxn>
+              <a:cxn ang="0">
+                <a:pos x="connsiteX4" y="connsiteY4"/>
+              </a:cxn>
+              <a:cxn ang="0">
+                <a:pos x="connsiteX5" y="connsiteY5"/>
+              </a:cxn>
+              <a:cxn ang="0">
+                <a:pos x="connsiteX6" y="connsiteY6"/>
+              </a:cxn>
+              <a:cxn ang="0">
+                <a:pos x="connsiteX7" y="connsiteY7"/>
+              </a:cxn>
+              <a:cxn ang="0">
+                <a:pos x="connsiteX8" y="connsiteY8"/>
+              </a:cxn>
+            </a:cxnLst>
+            <a:rect l="l" t="t" r="r" b="b"/>
+            <a:pathLst>
+              <a:path w="2080470" h="343949" fill="none" extrusionOk="0">
+                <a:moveTo>
+                  <a:pt x="0" y="0"/>
+                </a:moveTo>
+                <a:cubicBezTo>
+                  <a:pt x="265707" y="-32596"/>
+                  <a:pt x="350289" y="-7278"/>
+                  <a:pt x="693490" y="0"/>
+                </a:cubicBezTo>
+                <a:cubicBezTo>
+                  <a:pt x="1036691" y="7278"/>
+                  <a:pt x="1019787" y="-118"/>
+                  <a:pt x="1324566" y="0"/>
+                </a:cubicBezTo>
+                <a:cubicBezTo>
+                  <a:pt x="1629345" y="118"/>
+                  <a:pt x="1796553" y="20665"/>
+                  <a:pt x="2080470" y="0"/>
+                </a:cubicBezTo>
+                <a:cubicBezTo>
+                  <a:pt x="2091232" y="147561"/>
+                  <a:pt x="2076830" y="225208"/>
+                  <a:pt x="2080470" y="343949"/>
+                </a:cubicBezTo>
+                <a:cubicBezTo>
+                  <a:pt x="1805374" y="335407"/>
+                  <a:pt x="1588319" y="365231"/>
+                  <a:pt x="1366175" y="343949"/>
+                </a:cubicBezTo>
+                <a:cubicBezTo>
+                  <a:pt x="1144032" y="322667"/>
+                  <a:pt x="890545" y="340865"/>
+                  <a:pt x="672685" y="343949"/>
+                </a:cubicBezTo>
+                <a:cubicBezTo>
+                  <a:pt x="454825" y="347034"/>
+                  <a:pt x="297273" y="344938"/>
+                  <a:pt x="0" y="343949"/>
+                </a:cubicBezTo>
+                <a:cubicBezTo>
+                  <a:pt x="10888" y="230403"/>
+                  <a:pt x="-3881" y="115085"/>
+                  <a:pt x="0" y="0"/>
+                </a:cubicBezTo>
+                <a:close/>
+              </a:path>
+              <a:path w="2080470" h="343949" stroke="0" extrusionOk="0">
+                <a:moveTo>
+                  <a:pt x="0" y="0"/>
+                </a:moveTo>
+                <a:cubicBezTo>
+                  <a:pt x="170073" y="28939"/>
+                  <a:pt x="483775" y="2499"/>
+                  <a:pt x="672685" y="0"/>
+                </a:cubicBezTo>
+                <a:cubicBezTo>
+                  <a:pt x="861596" y="-2499"/>
+                  <a:pt x="1149976" y="16511"/>
+                  <a:pt x="1303761" y="0"/>
+                </a:cubicBezTo>
+                <a:cubicBezTo>
+                  <a:pt x="1457546" y="-16511"/>
+                  <a:pt x="1827229" y="37080"/>
+                  <a:pt x="2080470" y="0"/>
+                </a:cubicBezTo>
+                <a:cubicBezTo>
+                  <a:pt x="2071803" y="106622"/>
+                  <a:pt x="2080877" y="248625"/>
+                  <a:pt x="2080470" y="343949"/>
+                </a:cubicBezTo>
+                <a:cubicBezTo>
+                  <a:pt x="1918788" y="348022"/>
+                  <a:pt x="1605881" y="324268"/>
+                  <a:pt x="1428589" y="343949"/>
+                </a:cubicBezTo>
+                <a:cubicBezTo>
+                  <a:pt x="1251297" y="363630"/>
+                  <a:pt x="1099394" y="314652"/>
+                  <a:pt x="797513" y="343949"/>
+                </a:cubicBezTo>
+                <a:cubicBezTo>
+                  <a:pt x="495632" y="373246"/>
+                  <a:pt x="270279" y="354573"/>
+                  <a:pt x="0" y="343949"/>
+                </a:cubicBezTo>
+                <a:cubicBezTo>
+                  <a:pt x="-6253" y="262396"/>
+                  <a:pt x="-2016" y="83297"/>
+                  <a:pt x="0" y="0"/>
+                </a:cubicBezTo>
+                <a:close/>
+              </a:path>
+            </a:pathLst>
+          </a:custGeom>
           <a:solidFill>
             <a:schemeClr val="tx2"/>
           </a:solidFill>
+          <a:ln>
+            <a:extLst>
+              <a:ext uri="{C807C97D-BFC1-408E-A445-0C87EB9F89A2}">
+                <ask:lineSketchStyleProps xmlns:ask="http://schemas.microsoft.com/office/drawing/2018/sketchyshapes" sd="415603496">
+                  <a:prstGeom prst="rect">
+                    <a:avLst/>
+                  </a:prstGeom>
+                  <ask:type>
+                    <ask:lineSketchFreehand/>
+                  </ask:type>
+                </ask:lineSketchStyleProps>
+              </a:ext>
+            </a:extLst>
+          </a:ln>
         </p:spPr>
         <p:style>
           <a:lnRef idx="2">
@@ -3789,12 +4377,201 @@
             <a:off x="2660708" y="654341"/>
             <a:ext cx="2080470" cy="1359017"/>
           </a:xfrm>
-          <a:prstGeom prst="rect">
+          <a:custGeom>
             <a:avLst/>
-          </a:prstGeom>
+            <a:gdLst>
+              <a:gd name="connsiteX0" fmla="*/ 0 w 2080470"/>
+              <a:gd name="connsiteY0" fmla="*/ 0 h 1359017"/>
+              <a:gd name="connsiteX1" fmla="*/ 672685 w 2080470"/>
+              <a:gd name="connsiteY1" fmla="*/ 0 h 1359017"/>
+              <a:gd name="connsiteX2" fmla="*/ 1386980 w 2080470"/>
+              <a:gd name="connsiteY2" fmla="*/ 0 h 1359017"/>
+              <a:gd name="connsiteX3" fmla="*/ 2080470 w 2080470"/>
+              <a:gd name="connsiteY3" fmla="*/ 0 h 1359017"/>
+              <a:gd name="connsiteX4" fmla="*/ 2080470 w 2080470"/>
+              <a:gd name="connsiteY4" fmla="*/ 665918 h 1359017"/>
+              <a:gd name="connsiteX5" fmla="*/ 2080470 w 2080470"/>
+              <a:gd name="connsiteY5" fmla="*/ 1359017 h 1359017"/>
+              <a:gd name="connsiteX6" fmla="*/ 1449394 w 2080470"/>
+              <a:gd name="connsiteY6" fmla="*/ 1359017 h 1359017"/>
+              <a:gd name="connsiteX7" fmla="*/ 714295 w 2080470"/>
+              <a:gd name="connsiteY7" fmla="*/ 1359017 h 1359017"/>
+              <a:gd name="connsiteX8" fmla="*/ 0 w 2080470"/>
+              <a:gd name="connsiteY8" fmla="*/ 1359017 h 1359017"/>
+              <a:gd name="connsiteX9" fmla="*/ 0 w 2080470"/>
+              <a:gd name="connsiteY9" fmla="*/ 679509 h 1359017"/>
+              <a:gd name="connsiteX10" fmla="*/ 0 w 2080470"/>
+              <a:gd name="connsiteY10" fmla="*/ 0 h 1359017"/>
+            </a:gdLst>
+            <a:ahLst/>
+            <a:cxnLst>
+              <a:cxn ang="0">
+                <a:pos x="connsiteX0" y="connsiteY0"/>
+              </a:cxn>
+              <a:cxn ang="0">
+                <a:pos x="connsiteX1" y="connsiteY1"/>
+              </a:cxn>
+              <a:cxn ang="0">
+                <a:pos x="connsiteX2" y="connsiteY2"/>
+              </a:cxn>
+              <a:cxn ang="0">
+                <a:pos x="connsiteX3" y="connsiteY3"/>
+              </a:cxn>
+              <a:cxn ang="0">
+                <a:pos x="connsiteX4" y="connsiteY4"/>
+              </a:cxn>
+              <a:cxn ang="0">
+                <a:pos x="connsiteX5" y="connsiteY5"/>
+              </a:cxn>
+              <a:cxn ang="0">
+                <a:pos x="connsiteX6" y="connsiteY6"/>
+              </a:cxn>
+              <a:cxn ang="0">
+                <a:pos x="connsiteX7" y="connsiteY7"/>
+              </a:cxn>
+              <a:cxn ang="0">
+                <a:pos x="connsiteX8" y="connsiteY8"/>
+              </a:cxn>
+              <a:cxn ang="0">
+                <a:pos x="connsiteX9" y="connsiteY9"/>
+              </a:cxn>
+              <a:cxn ang="0">
+                <a:pos x="connsiteX10" y="connsiteY10"/>
+              </a:cxn>
+            </a:cxnLst>
+            <a:rect l="l" t="t" r="r" b="b"/>
+            <a:pathLst>
+              <a:path w="2080470" h="1359017" fill="none" extrusionOk="0">
+                <a:moveTo>
+                  <a:pt x="0" y="0"/>
+                </a:moveTo>
+                <a:cubicBezTo>
+                  <a:pt x="184133" y="1013"/>
+                  <a:pt x="341174" y="-24294"/>
+                  <a:pt x="672685" y="0"/>
+                </a:cubicBezTo>
+                <a:cubicBezTo>
+                  <a:pt x="1004197" y="24294"/>
+                  <a:pt x="1050050" y="26343"/>
+                  <a:pt x="1386980" y="0"/>
+                </a:cubicBezTo>
+                <a:cubicBezTo>
+                  <a:pt x="1723911" y="-26343"/>
+                  <a:pt x="1890917" y="-10460"/>
+                  <a:pt x="2080470" y="0"/>
+                </a:cubicBezTo>
+                <a:cubicBezTo>
+                  <a:pt x="2067483" y="206459"/>
+                  <a:pt x="2086728" y="345610"/>
+                  <a:pt x="2080470" y="665918"/>
+                </a:cubicBezTo>
+                <a:cubicBezTo>
+                  <a:pt x="2074212" y="986226"/>
+                  <a:pt x="2062274" y="1137437"/>
+                  <a:pt x="2080470" y="1359017"/>
+                </a:cubicBezTo>
+                <a:cubicBezTo>
+                  <a:pt x="1826426" y="1375979"/>
+                  <a:pt x="1665732" y="1384388"/>
+                  <a:pt x="1449394" y="1359017"/>
+                </a:cubicBezTo>
+                <a:cubicBezTo>
+                  <a:pt x="1233056" y="1333646"/>
+                  <a:pt x="1059640" y="1337103"/>
+                  <a:pt x="714295" y="1359017"/>
+                </a:cubicBezTo>
+                <a:cubicBezTo>
+                  <a:pt x="368950" y="1380931"/>
+                  <a:pt x="309938" y="1387352"/>
+                  <a:pt x="0" y="1359017"/>
+                </a:cubicBezTo>
+                <a:cubicBezTo>
+                  <a:pt x="-18001" y="1115877"/>
+                  <a:pt x="-3391" y="1002812"/>
+                  <a:pt x="0" y="679509"/>
+                </a:cubicBezTo>
+                <a:cubicBezTo>
+                  <a:pt x="3391" y="356206"/>
+                  <a:pt x="-17426" y="293579"/>
+                  <a:pt x="0" y="0"/>
+                </a:cubicBezTo>
+                <a:close/>
+              </a:path>
+              <a:path w="2080470" h="1359017" stroke="0" extrusionOk="0">
+                <a:moveTo>
+                  <a:pt x="0" y="0"/>
+                </a:moveTo>
+                <a:cubicBezTo>
+                  <a:pt x="312615" y="15397"/>
+                  <a:pt x="443820" y="-16797"/>
+                  <a:pt x="631076" y="0"/>
+                </a:cubicBezTo>
+                <a:cubicBezTo>
+                  <a:pt x="818332" y="16797"/>
+                  <a:pt x="1067988" y="11014"/>
+                  <a:pt x="1262152" y="0"/>
+                </a:cubicBezTo>
+                <a:cubicBezTo>
+                  <a:pt x="1456316" y="-11014"/>
+                  <a:pt x="1893809" y="17218"/>
+                  <a:pt x="2080470" y="0"/>
+                </a:cubicBezTo>
+                <a:cubicBezTo>
+                  <a:pt x="2053078" y="297249"/>
+                  <a:pt x="2046760" y="524546"/>
+                  <a:pt x="2080470" y="679509"/>
+                </a:cubicBezTo>
+                <a:cubicBezTo>
+                  <a:pt x="2114180" y="834472"/>
+                  <a:pt x="2071589" y="1099933"/>
+                  <a:pt x="2080470" y="1359017"/>
+                </a:cubicBezTo>
+                <a:cubicBezTo>
+                  <a:pt x="1728254" y="1391411"/>
+                  <a:pt x="1550347" y="1353981"/>
+                  <a:pt x="1345371" y="1359017"/>
+                </a:cubicBezTo>
+                <a:cubicBezTo>
+                  <a:pt x="1140395" y="1364053"/>
+                  <a:pt x="1000168" y="1362036"/>
+                  <a:pt x="693490" y="1359017"/>
+                </a:cubicBezTo>
+                <a:cubicBezTo>
+                  <a:pt x="386812" y="1355998"/>
+                  <a:pt x="191718" y="1340577"/>
+                  <a:pt x="0" y="1359017"/>
+                </a:cubicBezTo>
+                <a:cubicBezTo>
+                  <a:pt x="-29316" y="1030816"/>
+                  <a:pt x="-9031" y="1019886"/>
+                  <a:pt x="0" y="693099"/>
+                </a:cubicBezTo>
+                <a:cubicBezTo>
+                  <a:pt x="9031" y="366312"/>
+                  <a:pt x="-26302" y="337572"/>
+                  <a:pt x="0" y="0"/>
+                </a:cubicBezTo>
+                <a:close/>
+              </a:path>
+            </a:pathLst>
+          </a:custGeom>
           <a:solidFill>
             <a:srgbClr val="92D050"/>
           </a:solidFill>
+          <a:ln>
+            <a:extLst>
+              <a:ext uri="{C807C97D-BFC1-408E-A445-0C87EB9F89A2}">
+                <ask:lineSketchStyleProps xmlns:ask="http://schemas.microsoft.com/office/drawing/2018/sketchyshapes" sd="1655824432">
+                  <a:prstGeom prst="rect">
+                    <a:avLst/>
+                  </a:prstGeom>
+                  <ask:type>
+                    <ask:lineSketchFreehand/>
+                  </ask:type>
+                </ask:lineSketchStyleProps>
+              </a:ext>
+            </a:extLst>
+          </a:ln>
         </p:spPr>
         <p:style>
           <a:lnRef idx="2">
@@ -5065,12 +5842,201 @@
             <a:off x="274040" y="2281334"/>
             <a:ext cx="2080470" cy="343949"/>
           </a:xfrm>
-          <a:prstGeom prst="rect">
+          <a:custGeom>
             <a:avLst/>
-          </a:prstGeom>
+            <a:gdLst>
+              <a:gd name="connsiteX0" fmla="*/ 0 w 2080470"/>
+              <a:gd name="connsiteY0" fmla="*/ 0 h 343949"/>
+              <a:gd name="connsiteX1" fmla="*/ 457703 w 2080470"/>
+              <a:gd name="connsiteY1" fmla="*/ 0 h 343949"/>
+              <a:gd name="connsiteX2" fmla="*/ 936212 w 2080470"/>
+              <a:gd name="connsiteY2" fmla="*/ 0 h 343949"/>
+              <a:gd name="connsiteX3" fmla="*/ 1497938 w 2080470"/>
+              <a:gd name="connsiteY3" fmla="*/ 0 h 343949"/>
+              <a:gd name="connsiteX4" fmla="*/ 2080470 w 2080470"/>
+              <a:gd name="connsiteY4" fmla="*/ 0 h 343949"/>
+              <a:gd name="connsiteX5" fmla="*/ 2080470 w 2080470"/>
+              <a:gd name="connsiteY5" fmla="*/ 343949 h 343949"/>
+              <a:gd name="connsiteX6" fmla="*/ 1601962 w 2080470"/>
+              <a:gd name="connsiteY6" fmla="*/ 343949 h 343949"/>
+              <a:gd name="connsiteX7" fmla="*/ 1081844 w 2080470"/>
+              <a:gd name="connsiteY7" fmla="*/ 343949 h 343949"/>
+              <a:gd name="connsiteX8" fmla="*/ 603336 w 2080470"/>
+              <a:gd name="connsiteY8" fmla="*/ 343949 h 343949"/>
+              <a:gd name="connsiteX9" fmla="*/ 0 w 2080470"/>
+              <a:gd name="connsiteY9" fmla="*/ 343949 h 343949"/>
+              <a:gd name="connsiteX10" fmla="*/ 0 w 2080470"/>
+              <a:gd name="connsiteY10" fmla="*/ 0 h 343949"/>
+            </a:gdLst>
+            <a:ahLst/>
+            <a:cxnLst>
+              <a:cxn ang="0">
+                <a:pos x="connsiteX0" y="connsiteY0"/>
+              </a:cxn>
+              <a:cxn ang="0">
+                <a:pos x="connsiteX1" y="connsiteY1"/>
+              </a:cxn>
+              <a:cxn ang="0">
+                <a:pos x="connsiteX2" y="connsiteY2"/>
+              </a:cxn>
+              <a:cxn ang="0">
+                <a:pos x="connsiteX3" y="connsiteY3"/>
+              </a:cxn>
+              <a:cxn ang="0">
+                <a:pos x="connsiteX4" y="connsiteY4"/>
+              </a:cxn>
+              <a:cxn ang="0">
+                <a:pos x="connsiteX5" y="connsiteY5"/>
+              </a:cxn>
+              <a:cxn ang="0">
+                <a:pos x="connsiteX6" y="connsiteY6"/>
+              </a:cxn>
+              <a:cxn ang="0">
+                <a:pos x="connsiteX7" y="connsiteY7"/>
+              </a:cxn>
+              <a:cxn ang="0">
+                <a:pos x="connsiteX8" y="connsiteY8"/>
+              </a:cxn>
+              <a:cxn ang="0">
+                <a:pos x="connsiteX9" y="connsiteY9"/>
+              </a:cxn>
+              <a:cxn ang="0">
+                <a:pos x="connsiteX10" y="connsiteY10"/>
+              </a:cxn>
+            </a:cxnLst>
+            <a:rect l="l" t="t" r="r" b="b"/>
+            <a:pathLst>
+              <a:path w="2080470" h="343949" fill="none" extrusionOk="0">
+                <a:moveTo>
+                  <a:pt x="0" y="0"/>
+                </a:moveTo>
+                <a:cubicBezTo>
+                  <a:pt x="117609" y="-38270"/>
+                  <a:pt x="359703" y="44912"/>
+                  <a:pt x="457703" y="0"/>
+                </a:cubicBezTo>
+                <a:cubicBezTo>
+                  <a:pt x="555703" y="-44912"/>
+                  <a:pt x="781477" y="13457"/>
+                  <a:pt x="936212" y="0"/>
+                </a:cubicBezTo>
+                <a:cubicBezTo>
+                  <a:pt x="1090947" y="-13457"/>
+                  <a:pt x="1363229" y="23596"/>
+                  <a:pt x="1497938" y="0"/>
+                </a:cubicBezTo>
+                <a:cubicBezTo>
+                  <a:pt x="1632647" y="-23596"/>
+                  <a:pt x="1807520" y="40887"/>
+                  <a:pt x="2080470" y="0"/>
+                </a:cubicBezTo>
+                <a:cubicBezTo>
+                  <a:pt x="2099212" y="76166"/>
+                  <a:pt x="2046969" y="204816"/>
+                  <a:pt x="2080470" y="343949"/>
+                </a:cubicBezTo>
+                <a:cubicBezTo>
+                  <a:pt x="1841661" y="348221"/>
+                  <a:pt x="1718246" y="333710"/>
+                  <a:pt x="1601962" y="343949"/>
+                </a:cubicBezTo>
+                <a:cubicBezTo>
+                  <a:pt x="1485678" y="354188"/>
+                  <a:pt x="1209473" y="313226"/>
+                  <a:pt x="1081844" y="343949"/>
+                </a:cubicBezTo>
+                <a:cubicBezTo>
+                  <a:pt x="954215" y="374672"/>
+                  <a:pt x="787897" y="320193"/>
+                  <a:pt x="603336" y="343949"/>
+                </a:cubicBezTo>
+                <a:cubicBezTo>
+                  <a:pt x="418775" y="367705"/>
+                  <a:pt x="281892" y="292184"/>
+                  <a:pt x="0" y="343949"/>
+                </a:cubicBezTo>
+                <a:cubicBezTo>
+                  <a:pt x="-31005" y="212275"/>
+                  <a:pt x="3672" y="74005"/>
+                  <a:pt x="0" y="0"/>
+                </a:cubicBezTo>
+                <a:close/>
+              </a:path>
+              <a:path w="2080470" h="343949" stroke="0" extrusionOk="0">
+                <a:moveTo>
+                  <a:pt x="0" y="0"/>
+                </a:moveTo>
+                <a:cubicBezTo>
+                  <a:pt x="103526" y="-54900"/>
+                  <a:pt x="398316" y="3539"/>
+                  <a:pt x="499313" y="0"/>
+                </a:cubicBezTo>
+                <a:cubicBezTo>
+                  <a:pt x="600310" y="-3539"/>
+                  <a:pt x="787258" y="7722"/>
+                  <a:pt x="998626" y="0"/>
+                </a:cubicBezTo>
+                <a:cubicBezTo>
+                  <a:pt x="1209994" y="-7722"/>
+                  <a:pt x="1378455" y="50050"/>
+                  <a:pt x="1477134" y="0"/>
+                </a:cubicBezTo>
+                <a:cubicBezTo>
+                  <a:pt x="1575813" y="-50050"/>
+                  <a:pt x="1794804" y="617"/>
+                  <a:pt x="2080470" y="0"/>
+                </a:cubicBezTo>
+                <a:cubicBezTo>
+                  <a:pt x="2117966" y="100324"/>
+                  <a:pt x="2065828" y="177349"/>
+                  <a:pt x="2080470" y="343949"/>
+                </a:cubicBezTo>
+                <a:cubicBezTo>
+                  <a:pt x="1932884" y="398297"/>
+                  <a:pt x="1729918" y="304306"/>
+                  <a:pt x="1601962" y="343949"/>
+                </a:cubicBezTo>
+                <a:cubicBezTo>
+                  <a:pt x="1474006" y="383592"/>
+                  <a:pt x="1284584" y="280726"/>
+                  <a:pt x="1061040" y="343949"/>
+                </a:cubicBezTo>
+                <a:cubicBezTo>
+                  <a:pt x="837496" y="407172"/>
+                  <a:pt x="776373" y="288399"/>
+                  <a:pt x="520118" y="343949"/>
+                </a:cubicBezTo>
+                <a:cubicBezTo>
+                  <a:pt x="263863" y="399499"/>
+                  <a:pt x="146480" y="309805"/>
+                  <a:pt x="0" y="343949"/>
+                </a:cubicBezTo>
+                <a:cubicBezTo>
+                  <a:pt x="-25006" y="233408"/>
+                  <a:pt x="37191" y="116180"/>
+                  <a:pt x="0" y="0"/>
+                </a:cubicBezTo>
+                <a:close/>
+              </a:path>
+            </a:pathLst>
+          </a:custGeom>
           <a:solidFill>
             <a:schemeClr val="tx2"/>
           </a:solidFill>
+          <a:ln>
+            <a:extLst>
+              <a:ext uri="{C807C97D-BFC1-408E-A445-0C87EB9F89A2}">
+                <ask:lineSketchStyleProps xmlns:ask="http://schemas.microsoft.com/office/drawing/2018/sketchyshapes" sd="704912891">
+                  <a:prstGeom prst="rect">
+                    <a:avLst/>
+                  </a:prstGeom>
+                  <ask:type>
+                    <ask:lineSketchScribble/>
+                  </ask:type>
+                </ask:lineSketchStyleProps>
+              </a:ext>
+            </a:extLst>
+          </a:ln>
         </p:spPr>
         <p:style>
           <a:lnRef idx="2">
@@ -5118,12 +6084,201 @@
             <a:off x="274039" y="2625284"/>
             <a:ext cx="2080470" cy="323291"/>
           </a:xfrm>
-          <a:prstGeom prst="rect">
+          <a:custGeom>
             <a:avLst/>
-          </a:prstGeom>
+            <a:gdLst>
+              <a:gd name="connsiteX0" fmla="*/ 0 w 2080470"/>
+              <a:gd name="connsiteY0" fmla="*/ 0 h 323291"/>
+              <a:gd name="connsiteX1" fmla="*/ 478508 w 2080470"/>
+              <a:gd name="connsiteY1" fmla="*/ 0 h 323291"/>
+              <a:gd name="connsiteX2" fmla="*/ 977821 w 2080470"/>
+              <a:gd name="connsiteY2" fmla="*/ 0 h 323291"/>
+              <a:gd name="connsiteX3" fmla="*/ 1435524 w 2080470"/>
+              <a:gd name="connsiteY3" fmla="*/ 0 h 323291"/>
+              <a:gd name="connsiteX4" fmla="*/ 2080470 w 2080470"/>
+              <a:gd name="connsiteY4" fmla="*/ 0 h 323291"/>
+              <a:gd name="connsiteX5" fmla="*/ 2080470 w 2080470"/>
+              <a:gd name="connsiteY5" fmla="*/ 323291 h 323291"/>
+              <a:gd name="connsiteX6" fmla="*/ 1560353 w 2080470"/>
+              <a:gd name="connsiteY6" fmla="*/ 323291 h 323291"/>
+              <a:gd name="connsiteX7" fmla="*/ 1040235 w 2080470"/>
+              <a:gd name="connsiteY7" fmla="*/ 323291 h 323291"/>
+              <a:gd name="connsiteX8" fmla="*/ 540922 w 2080470"/>
+              <a:gd name="connsiteY8" fmla="*/ 323291 h 323291"/>
+              <a:gd name="connsiteX9" fmla="*/ 0 w 2080470"/>
+              <a:gd name="connsiteY9" fmla="*/ 323291 h 323291"/>
+              <a:gd name="connsiteX10" fmla="*/ 0 w 2080470"/>
+              <a:gd name="connsiteY10" fmla="*/ 0 h 323291"/>
+            </a:gdLst>
+            <a:ahLst/>
+            <a:cxnLst>
+              <a:cxn ang="0">
+                <a:pos x="connsiteX0" y="connsiteY0"/>
+              </a:cxn>
+              <a:cxn ang="0">
+                <a:pos x="connsiteX1" y="connsiteY1"/>
+              </a:cxn>
+              <a:cxn ang="0">
+                <a:pos x="connsiteX2" y="connsiteY2"/>
+              </a:cxn>
+              <a:cxn ang="0">
+                <a:pos x="connsiteX3" y="connsiteY3"/>
+              </a:cxn>
+              <a:cxn ang="0">
+                <a:pos x="connsiteX4" y="connsiteY4"/>
+              </a:cxn>
+              <a:cxn ang="0">
+                <a:pos x="connsiteX5" y="connsiteY5"/>
+              </a:cxn>
+              <a:cxn ang="0">
+                <a:pos x="connsiteX6" y="connsiteY6"/>
+              </a:cxn>
+              <a:cxn ang="0">
+                <a:pos x="connsiteX7" y="connsiteY7"/>
+              </a:cxn>
+              <a:cxn ang="0">
+                <a:pos x="connsiteX8" y="connsiteY8"/>
+              </a:cxn>
+              <a:cxn ang="0">
+                <a:pos x="connsiteX9" y="connsiteY9"/>
+              </a:cxn>
+              <a:cxn ang="0">
+                <a:pos x="connsiteX10" y="connsiteY10"/>
+              </a:cxn>
+            </a:cxnLst>
+            <a:rect l="l" t="t" r="r" b="b"/>
+            <a:pathLst>
+              <a:path w="2080470" h="323291" fill="none" extrusionOk="0">
+                <a:moveTo>
+                  <a:pt x="0" y="0"/>
+                </a:moveTo>
+                <a:cubicBezTo>
+                  <a:pt x="168150" y="-22551"/>
+                  <a:pt x="311966" y="22579"/>
+                  <a:pt x="478508" y="0"/>
+                </a:cubicBezTo>
+                <a:cubicBezTo>
+                  <a:pt x="645050" y="-22579"/>
+                  <a:pt x="750069" y="56923"/>
+                  <a:pt x="977821" y="0"/>
+                </a:cubicBezTo>
+                <a:cubicBezTo>
+                  <a:pt x="1205573" y="-56923"/>
+                  <a:pt x="1244781" y="52970"/>
+                  <a:pt x="1435524" y="0"/>
+                </a:cubicBezTo>
+                <a:cubicBezTo>
+                  <a:pt x="1626267" y="-52970"/>
+                  <a:pt x="1888854" y="2739"/>
+                  <a:pt x="2080470" y="0"/>
+                </a:cubicBezTo>
+                <a:cubicBezTo>
+                  <a:pt x="2100432" y="78616"/>
+                  <a:pt x="2046707" y="241671"/>
+                  <a:pt x="2080470" y="323291"/>
+                </a:cubicBezTo>
+                <a:cubicBezTo>
+                  <a:pt x="1888562" y="371667"/>
+                  <a:pt x="1670936" y="276378"/>
+                  <a:pt x="1560353" y="323291"/>
+                </a:cubicBezTo>
+                <a:cubicBezTo>
+                  <a:pt x="1449770" y="370204"/>
+                  <a:pt x="1155891" y="266495"/>
+                  <a:pt x="1040235" y="323291"/>
+                </a:cubicBezTo>
+                <a:cubicBezTo>
+                  <a:pt x="924579" y="380087"/>
+                  <a:pt x="719984" y="272557"/>
+                  <a:pt x="540922" y="323291"/>
+                </a:cubicBezTo>
+                <a:cubicBezTo>
+                  <a:pt x="361860" y="374025"/>
+                  <a:pt x="249174" y="306717"/>
+                  <a:pt x="0" y="323291"/>
+                </a:cubicBezTo>
+                <a:cubicBezTo>
+                  <a:pt x="-8186" y="172441"/>
+                  <a:pt x="6095" y="66062"/>
+                  <a:pt x="0" y="0"/>
+                </a:cubicBezTo>
+                <a:close/>
+              </a:path>
+              <a:path w="2080470" h="323291" stroke="0" extrusionOk="0">
+                <a:moveTo>
+                  <a:pt x="0" y="0"/>
+                </a:moveTo>
+                <a:cubicBezTo>
+                  <a:pt x="217044" y="-30752"/>
+                  <a:pt x="281362" y="43311"/>
+                  <a:pt x="499313" y="0"/>
+                </a:cubicBezTo>
+                <a:cubicBezTo>
+                  <a:pt x="717264" y="-43311"/>
+                  <a:pt x="897000" y="42689"/>
+                  <a:pt x="1040235" y="0"/>
+                </a:cubicBezTo>
+                <a:cubicBezTo>
+                  <a:pt x="1183470" y="-42689"/>
+                  <a:pt x="1393175" y="762"/>
+                  <a:pt x="1539548" y="0"/>
+                </a:cubicBezTo>
+                <a:cubicBezTo>
+                  <a:pt x="1685921" y="-762"/>
+                  <a:pt x="1969742" y="17556"/>
+                  <a:pt x="2080470" y="0"/>
+                </a:cubicBezTo>
+                <a:cubicBezTo>
+                  <a:pt x="2115892" y="70288"/>
+                  <a:pt x="2076608" y="179059"/>
+                  <a:pt x="2080470" y="323291"/>
+                </a:cubicBezTo>
+                <a:cubicBezTo>
+                  <a:pt x="1921350" y="383776"/>
+                  <a:pt x="1780640" y="264376"/>
+                  <a:pt x="1560353" y="323291"/>
+                </a:cubicBezTo>
+                <a:cubicBezTo>
+                  <a:pt x="1340066" y="382206"/>
+                  <a:pt x="1273052" y="269645"/>
+                  <a:pt x="1102649" y="323291"/>
+                </a:cubicBezTo>
+                <a:cubicBezTo>
+                  <a:pt x="932246" y="376937"/>
+                  <a:pt x="731196" y="299283"/>
+                  <a:pt x="624141" y="323291"/>
+                </a:cubicBezTo>
+                <a:cubicBezTo>
+                  <a:pt x="517086" y="347299"/>
+                  <a:pt x="236613" y="308525"/>
+                  <a:pt x="0" y="323291"/>
+                </a:cubicBezTo>
+                <a:cubicBezTo>
+                  <a:pt x="-13239" y="242302"/>
+                  <a:pt x="20427" y="122171"/>
+                  <a:pt x="0" y="0"/>
+                </a:cubicBezTo>
+                <a:close/>
+              </a:path>
+            </a:pathLst>
+          </a:custGeom>
           <a:solidFill>
             <a:srgbClr val="92D050"/>
           </a:solidFill>
+          <a:ln>
+            <a:extLst>
+              <a:ext uri="{C807C97D-BFC1-408E-A445-0C87EB9F89A2}">
+                <ask:lineSketchStyleProps xmlns:ask="http://schemas.microsoft.com/office/drawing/2018/sketchyshapes" sd="2999630173">
+                  <a:prstGeom prst="rect">
+                    <a:avLst/>
+                  </a:prstGeom>
+                  <ask:type>
+                    <ask:lineSketchScribble/>
+                  </ask:type>
+                </ask:lineSketchStyleProps>
+              </a:ext>
+            </a:extLst>
+          </a:ln>
         </p:spPr>
         <p:style>
           <a:lnRef idx="2">
@@ -6367,10 +7522,187 @@
           </a:p>
         </p:txBody>
       </p:sp>
+      <p:sp>
+        <p:nvSpPr>
+          <p:cNvPr id="53" name="Ellipse 52">
+            <a:extLst>
+              <a:ext uri="{FF2B5EF4-FFF2-40B4-BE49-F238E27FC236}">
+                <a16:creationId xmlns:a16="http://schemas.microsoft.com/office/drawing/2014/main" id="{D1363A16-BB1C-48DA-8922-5A6972F2117A}"/>
+              </a:ext>
+            </a:extLst>
+          </p:cNvPr>
+          <p:cNvSpPr/>
+          <p:nvPr/>
+        </p:nvSpPr>
+        <p:spPr>
+          <a:xfrm>
+            <a:off x="9215787" y="3710818"/>
+            <a:ext cx="276349" cy="276349"/>
+          </a:xfrm>
+          <a:prstGeom prst="ellipse">
+            <a:avLst/>
+          </a:prstGeom>
+          <a:solidFill>
+            <a:srgbClr val="FFFF00"/>
+          </a:solidFill>
+          <a:ln>
+            <a:noFill/>
+          </a:ln>
+        </p:spPr>
+        <p:style>
+          <a:lnRef idx="2">
+            <a:schemeClr val="accent1">
+              <a:shade val="50000"/>
+            </a:schemeClr>
+          </a:lnRef>
+          <a:fillRef idx="1">
+            <a:schemeClr val="accent1"/>
+          </a:fillRef>
+          <a:effectRef idx="0">
+            <a:schemeClr val="accent1"/>
+          </a:effectRef>
+          <a:fontRef idx="minor">
+            <a:schemeClr val="lt1"/>
+          </a:fontRef>
+        </p:style>
+        <p:txBody>
+          <a:bodyPr rtlCol="0" anchor="ctr"/>
+          <a:lstStyle/>
+          <a:p>
+            <a:pPr algn="ctr"/>
+            <a:endParaRPr lang="fr-BE" dirty="0"/>
+          </a:p>
+        </p:txBody>
+      </p:sp>
     </p:spTree>
     <p:extLst>
       <p:ext uri="{BB962C8B-B14F-4D97-AF65-F5344CB8AC3E}">
         <p14:creationId xmlns:p14="http://schemas.microsoft.com/office/powerpoint/2010/main" val="551177089"/>
+      </p:ext>
+    </p:extLst>
+  </p:cSld>
+  <p:clrMapOvr>
+    <a:masterClrMapping/>
+  </p:clrMapOvr>
+</p:sld>
+</file>
+
+<file path=ppt/slides/slide2.xml><?xml version="1.0" encoding="utf-8"?>
+<p:sld xmlns:a="http://schemas.openxmlformats.org/drawingml/2006/main" xmlns:r="http://schemas.openxmlformats.org/officeDocument/2006/relationships" xmlns:p="http://schemas.openxmlformats.org/presentationml/2006/main">
+  <p:cSld>
+    <p:spTree>
+      <p:nvGrpSpPr>
+        <p:cNvPr id="1" name=""/>
+        <p:cNvGrpSpPr/>
+        <p:nvPr/>
+      </p:nvGrpSpPr>
+      <p:grpSpPr>
+        <a:xfrm>
+          <a:off x="0" y="0"/>
+          <a:ext cx="0" cy="0"/>
+          <a:chOff x="0" y="0"/>
+          <a:chExt cx="0" cy="0"/>
+        </a:xfrm>
+      </p:grpSpPr>
+      <p:sp>
+        <p:nvSpPr>
+          <p:cNvPr id="2" name="Titre 1">
+            <a:extLst>
+              <a:ext uri="{FF2B5EF4-FFF2-40B4-BE49-F238E27FC236}">
+                <a16:creationId xmlns:a16="http://schemas.microsoft.com/office/drawing/2014/main" id="{B08BD9E0-3C5D-4271-B82D-D7537A9E7C4B}"/>
+              </a:ext>
+            </a:extLst>
+          </p:cNvPr>
+          <p:cNvSpPr>
+            <a:spLocks noGrp="1"/>
+          </p:cNvSpPr>
+          <p:nvPr>
+            <p:ph type="title"/>
+          </p:nvPr>
+        </p:nvSpPr>
+        <p:spPr/>
+        <p:txBody>
+          <a:bodyPr/>
+          <a:lstStyle/>
+          <a:p>
+            <a:r>
+              <a:rPr lang="fr-BE" dirty="0" err="1"/>
+              <a:t>Endpoints</a:t>
+            </a:r>
+            <a:endParaRPr lang="fr-BE" dirty="0"/>
+          </a:p>
+        </p:txBody>
+      </p:sp>
+      <p:sp>
+        <p:nvSpPr>
+          <p:cNvPr id="3" name="Espace réservé du contenu 2">
+            <a:extLst>
+              <a:ext uri="{FF2B5EF4-FFF2-40B4-BE49-F238E27FC236}">
+                <a16:creationId xmlns:a16="http://schemas.microsoft.com/office/drawing/2014/main" id="{95CCA67E-2A22-4ABF-9DAA-CB5C56917521}"/>
+              </a:ext>
+            </a:extLst>
+          </p:cNvPr>
+          <p:cNvSpPr>
+            <a:spLocks noGrp="1"/>
+          </p:cNvSpPr>
+          <p:nvPr>
+            <p:ph idx="1"/>
+          </p:nvPr>
+        </p:nvSpPr>
+        <p:spPr/>
+        <p:txBody>
+          <a:bodyPr/>
+          <a:lstStyle/>
+          <a:p>
+            <a:r>
+              <a:rPr lang="en-US" dirty="0"/>
+              <a:t>Story 1: Create a customer account: “/users”</a:t>
+            </a:r>
+          </a:p>
+          <a:p>
+            <a:r>
+              <a:rPr lang="en-US" dirty="0"/>
+              <a:t>Story 2: Add an item: “/items”</a:t>
+            </a:r>
+          </a:p>
+          <a:p>
+            <a:r>
+              <a:rPr lang="en-US" dirty="0"/>
+              <a:t>Story 3: Order items: “/users/orders”</a:t>
+            </a:r>
+          </a:p>
+          <a:p>
+            <a:r>
+              <a:rPr lang="en-US" dirty="0"/>
+              <a:t>Story 7: View all customers: “/users”</a:t>
+            </a:r>
+          </a:p>
+          <a:p>
+            <a:r>
+              <a:rPr lang="en-US" dirty="0"/>
+              <a:t>Story 8: View a single customer: “/users/{id}”</a:t>
+            </a:r>
+          </a:p>
+          <a:p>
+            <a:r>
+              <a:rPr lang="en-US" dirty="0"/>
+              <a:t>Story 10: Item overview: “/items” and “/items</a:t>
+            </a:r>
+            <a:r>
+              <a:rPr lang="en-US"/>
+              <a:t>/{id}”</a:t>
+            </a:r>
+            <a:endParaRPr lang="en-US" dirty="0"/>
+          </a:p>
+          <a:p>
+            <a:endParaRPr lang="fr-BE" dirty="0"/>
+          </a:p>
+        </p:txBody>
+      </p:sp>
+    </p:spTree>
+    <p:extLst>
+      <p:ext uri="{BB962C8B-B14F-4D97-AF65-F5344CB8AC3E}">
+        <p14:creationId xmlns:p14="http://schemas.microsoft.com/office/powerpoint/2010/main" val="2089516107"/>
       </p:ext>
     </p:extLst>
   </p:cSld>
